--- a/er_diagram/er_diagram_template.pptx
+++ b/er_diagram/er_diagram_template.pptx
@@ -280,7 +280,7 @@
           <a:p>
             <a:fld id="{19988417-0391-4147-9B1C-0D22B4D46753}" type="datetimeFigureOut">
               <a:rPr lang="en-DK" smtClean="0"/>
-              <a:t>09/05/2023</a:t>
+              <a:t>10/05/2023</a:t>
             </a:fld>
             <a:endParaRPr lang="en-DK"/>
           </a:p>
@@ -480,7 +480,7 @@
           <a:p>
             <a:fld id="{19988417-0391-4147-9B1C-0D22B4D46753}" type="datetimeFigureOut">
               <a:rPr lang="en-DK" smtClean="0"/>
-              <a:t>09/05/2023</a:t>
+              <a:t>10/05/2023</a:t>
             </a:fld>
             <a:endParaRPr lang="en-DK"/>
           </a:p>
@@ -690,7 +690,7 @@
           <a:p>
             <a:fld id="{19988417-0391-4147-9B1C-0D22B4D46753}" type="datetimeFigureOut">
               <a:rPr lang="en-DK" smtClean="0"/>
-              <a:t>09/05/2023</a:t>
+              <a:t>10/05/2023</a:t>
             </a:fld>
             <a:endParaRPr lang="en-DK"/>
           </a:p>
@@ -890,7 +890,7 @@
           <a:p>
             <a:fld id="{19988417-0391-4147-9B1C-0D22B4D46753}" type="datetimeFigureOut">
               <a:rPr lang="en-DK" smtClean="0"/>
-              <a:t>09/05/2023</a:t>
+              <a:t>10/05/2023</a:t>
             </a:fld>
             <a:endParaRPr lang="en-DK"/>
           </a:p>
@@ -1166,7 +1166,7 @@
           <a:p>
             <a:fld id="{19988417-0391-4147-9B1C-0D22B4D46753}" type="datetimeFigureOut">
               <a:rPr lang="en-DK" smtClean="0"/>
-              <a:t>09/05/2023</a:t>
+              <a:t>10/05/2023</a:t>
             </a:fld>
             <a:endParaRPr lang="en-DK"/>
           </a:p>
@@ -1434,7 +1434,7 @@
           <a:p>
             <a:fld id="{19988417-0391-4147-9B1C-0D22B4D46753}" type="datetimeFigureOut">
               <a:rPr lang="en-DK" smtClean="0"/>
-              <a:t>09/05/2023</a:t>
+              <a:t>10/05/2023</a:t>
             </a:fld>
             <a:endParaRPr lang="en-DK"/>
           </a:p>
@@ -1849,7 +1849,7 @@
           <a:p>
             <a:fld id="{19988417-0391-4147-9B1C-0D22B4D46753}" type="datetimeFigureOut">
               <a:rPr lang="en-DK" smtClean="0"/>
-              <a:t>09/05/2023</a:t>
+              <a:t>10/05/2023</a:t>
             </a:fld>
             <a:endParaRPr lang="en-DK"/>
           </a:p>
@@ -1991,7 +1991,7 @@
           <a:p>
             <a:fld id="{19988417-0391-4147-9B1C-0D22B4D46753}" type="datetimeFigureOut">
               <a:rPr lang="en-DK" smtClean="0"/>
-              <a:t>09/05/2023</a:t>
+              <a:t>10/05/2023</a:t>
             </a:fld>
             <a:endParaRPr lang="en-DK"/>
           </a:p>
@@ -2104,7 +2104,7 @@
           <a:p>
             <a:fld id="{19988417-0391-4147-9B1C-0D22B4D46753}" type="datetimeFigureOut">
               <a:rPr lang="en-DK" smtClean="0"/>
-              <a:t>09/05/2023</a:t>
+              <a:t>10/05/2023</a:t>
             </a:fld>
             <a:endParaRPr lang="en-DK"/>
           </a:p>
@@ -2417,7 +2417,7 @@
           <a:p>
             <a:fld id="{19988417-0391-4147-9B1C-0D22B4D46753}" type="datetimeFigureOut">
               <a:rPr lang="en-DK" smtClean="0"/>
-              <a:t>09/05/2023</a:t>
+              <a:t>10/05/2023</a:t>
             </a:fld>
             <a:endParaRPr lang="en-DK"/>
           </a:p>
@@ -2706,7 +2706,7 @@
           <a:p>
             <a:fld id="{19988417-0391-4147-9B1C-0D22B4D46753}" type="datetimeFigureOut">
               <a:rPr lang="en-DK" smtClean="0"/>
-              <a:t>09/05/2023</a:t>
+              <a:t>10/05/2023</a:t>
             </a:fld>
             <a:endParaRPr lang="en-DK"/>
           </a:p>
@@ -2949,7 +2949,7 @@
           <a:p>
             <a:fld id="{19988417-0391-4147-9B1C-0D22B4D46753}" type="datetimeFigureOut">
               <a:rPr lang="en-DK" smtClean="0"/>
-              <a:t>09/05/2023</a:t>
+              <a:t>10/05/2023</a:t>
             </a:fld>
             <a:endParaRPr lang="en-DK"/>
           </a:p>
@@ -15566,15 +15566,7 @@
           <a:p>
             <a:r>
               <a:rPr lang="en-GB" dirty="0"/>
-              <a:t>CREATE TABLE </a:t>
-            </a:r>
-            <a:r>
-              <a:rPr lang="en-GB" dirty="0" err="1"/>
-              <a:t>WorksIn</a:t>
-            </a:r>
-            <a:r>
-              <a:rPr lang="en-GB" dirty="0"/>
-              <a:t> ( </a:t>
+              <a:t>CREATE TABLE Monitors ( </a:t>
             </a:r>
           </a:p>
           <a:p>
@@ -16229,15 +16221,7 @@
           <a:p>
             <a:r>
               <a:rPr lang="en-GB" dirty="0"/>
-              <a:t>CREATE TABLE </a:t>
-            </a:r>
-            <a:r>
-              <a:rPr lang="en-GB" dirty="0" err="1"/>
-              <a:t>WorksIn</a:t>
-            </a:r>
-            <a:r>
-              <a:rPr lang="en-GB" dirty="0"/>
-              <a:t> ( </a:t>
+              <a:t>CREATE TABLE Monitors ( </a:t>
             </a:r>
           </a:p>
           <a:p>
@@ -16880,15 +16864,7 @@
           <a:p>
             <a:r>
               <a:rPr lang="en-GB" strike="sngStrike" dirty="0"/>
-              <a:t>CREATE TABLE </a:t>
-            </a:r>
-            <a:r>
-              <a:rPr lang="en-GB" strike="sngStrike" dirty="0" err="1"/>
-              <a:t>WorksIn</a:t>
-            </a:r>
-            <a:r>
-              <a:rPr lang="en-GB" strike="sngStrike" dirty="0"/>
-              <a:t> (</a:t>
+              <a:t>CREATE TABLE Monitors(</a:t>
             </a:r>
             <a:r>
               <a:rPr lang="en-GB" dirty="0"/>
@@ -17519,15 +17495,7 @@
           <a:p>
             <a:r>
               <a:rPr lang="en-GB" dirty="0"/>
-              <a:t>CREATE TABLE </a:t>
-            </a:r>
-            <a:r>
-              <a:rPr lang="en-GB" dirty="0" err="1"/>
-              <a:t>WorksIn</a:t>
-            </a:r>
-            <a:r>
-              <a:rPr lang="en-GB" dirty="0"/>
-              <a:t> ( </a:t>
+              <a:t>CREATE TABLE Monitors ( </a:t>
             </a:r>
           </a:p>
           <a:p>

--- a/er_diagram/er_diagram_template.pptx
+++ b/er_diagram/er_diagram_template.pptx
@@ -280,7 +280,7 @@
           <a:p>
             <a:fld id="{19988417-0391-4147-9B1C-0D22B4D46753}" type="datetimeFigureOut">
               <a:rPr lang="en-DK" smtClean="0"/>
-              <a:t>10/05/2023</a:t>
+              <a:t>13/05/2023</a:t>
             </a:fld>
             <a:endParaRPr lang="en-DK"/>
           </a:p>
@@ -480,7 +480,7 @@
           <a:p>
             <a:fld id="{19988417-0391-4147-9B1C-0D22B4D46753}" type="datetimeFigureOut">
               <a:rPr lang="en-DK" smtClean="0"/>
-              <a:t>10/05/2023</a:t>
+              <a:t>13/05/2023</a:t>
             </a:fld>
             <a:endParaRPr lang="en-DK"/>
           </a:p>
@@ -690,7 +690,7 @@
           <a:p>
             <a:fld id="{19988417-0391-4147-9B1C-0D22B4D46753}" type="datetimeFigureOut">
               <a:rPr lang="en-DK" smtClean="0"/>
-              <a:t>10/05/2023</a:t>
+              <a:t>13/05/2023</a:t>
             </a:fld>
             <a:endParaRPr lang="en-DK"/>
           </a:p>
@@ -890,7 +890,7 @@
           <a:p>
             <a:fld id="{19988417-0391-4147-9B1C-0D22B4D46753}" type="datetimeFigureOut">
               <a:rPr lang="en-DK" smtClean="0"/>
-              <a:t>10/05/2023</a:t>
+              <a:t>13/05/2023</a:t>
             </a:fld>
             <a:endParaRPr lang="en-DK"/>
           </a:p>
@@ -1166,7 +1166,7 @@
           <a:p>
             <a:fld id="{19988417-0391-4147-9B1C-0D22B4D46753}" type="datetimeFigureOut">
               <a:rPr lang="en-DK" smtClean="0"/>
-              <a:t>10/05/2023</a:t>
+              <a:t>13/05/2023</a:t>
             </a:fld>
             <a:endParaRPr lang="en-DK"/>
           </a:p>
@@ -1434,7 +1434,7 @@
           <a:p>
             <a:fld id="{19988417-0391-4147-9B1C-0D22B4D46753}" type="datetimeFigureOut">
               <a:rPr lang="en-DK" smtClean="0"/>
-              <a:t>10/05/2023</a:t>
+              <a:t>13/05/2023</a:t>
             </a:fld>
             <a:endParaRPr lang="en-DK"/>
           </a:p>
@@ -1849,7 +1849,7 @@
           <a:p>
             <a:fld id="{19988417-0391-4147-9B1C-0D22B4D46753}" type="datetimeFigureOut">
               <a:rPr lang="en-DK" smtClean="0"/>
-              <a:t>10/05/2023</a:t>
+              <a:t>13/05/2023</a:t>
             </a:fld>
             <a:endParaRPr lang="en-DK"/>
           </a:p>
@@ -1991,7 +1991,7 @@
           <a:p>
             <a:fld id="{19988417-0391-4147-9B1C-0D22B4D46753}" type="datetimeFigureOut">
               <a:rPr lang="en-DK" smtClean="0"/>
-              <a:t>10/05/2023</a:t>
+              <a:t>13/05/2023</a:t>
             </a:fld>
             <a:endParaRPr lang="en-DK"/>
           </a:p>
@@ -2104,7 +2104,7 @@
           <a:p>
             <a:fld id="{19988417-0391-4147-9B1C-0D22B4D46753}" type="datetimeFigureOut">
               <a:rPr lang="en-DK" smtClean="0"/>
-              <a:t>10/05/2023</a:t>
+              <a:t>13/05/2023</a:t>
             </a:fld>
             <a:endParaRPr lang="en-DK"/>
           </a:p>
@@ -2417,7 +2417,7 @@
           <a:p>
             <a:fld id="{19988417-0391-4147-9B1C-0D22B4D46753}" type="datetimeFigureOut">
               <a:rPr lang="en-DK" smtClean="0"/>
-              <a:t>10/05/2023</a:t>
+              <a:t>13/05/2023</a:t>
             </a:fld>
             <a:endParaRPr lang="en-DK"/>
           </a:p>
@@ -2706,7 +2706,7 @@
           <a:p>
             <a:fld id="{19988417-0391-4147-9B1C-0D22B4D46753}" type="datetimeFigureOut">
               <a:rPr lang="en-DK" smtClean="0"/>
-              <a:t>10/05/2023</a:t>
+              <a:t>13/05/2023</a:t>
             </a:fld>
             <a:endParaRPr lang="en-DK"/>
           </a:p>
@@ -2949,7 +2949,7 @@
           <a:p>
             <a:fld id="{19988417-0391-4147-9B1C-0D22B4D46753}" type="datetimeFigureOut">
               <a:rPr lang="en-DK" smtClean="0"/>
-              <a:t>10/05/2023</a:t>
+              <a:t>13/05/2023</a:t>
             </a:fld>
             <a:endParaRPr lang="en-DK"/>
           </a:p>
@@ -6057,7 +6057,7 @@
             <a:pPr algn="ctr"/>
             <a:r>
               <a:rPr lang="is-IS" sz="900" dirty="0"/>
-              <a:t>CompetesIn</a:t>
+              <a:t>PaysFor</a:t>
             </a:r>
           </a:p>
         </p:txBody>
@@ -6790,7 +6790,7 @@
             <a:pPr algn="ctr"/>
             <a:r>
               <a:rPr lang="is-IS" sz="900" dirty="0"/>
-              <a:t>CompetesIn</a:t>
+              <a:t>PaysFor</a:t>
             </a:r>
           </a:p>
         </p:txBody>
@@ -7531,7 +7531,7 @@
             <a:pPr algn="ctr"/>
             <a:r>
               <a:rPr lang="is-IS" sz="900" dirty="0"/>
-              <a:t>CompetesIn</a:t>
+              <a:t>PaysFor</a:t>
             </a:r>
           </a:p>
         </p:txBody>

--- a/er_diagram/er_diagram_template.pptx
+++ b/er_diagram/er_diagram_template.pptx
@@ -25,6 +25,9 @@
     <p:sldId id="274" r:id="rId19"/>
     <p:sldId id="275" r:id="rId20"/>
     <p:sldId id="276" r:id="rId21"/>
+    <p:sldId id="277" r:id="rId22"/>
+    <p:sldId id="279" r:id="rId23"/>
+    <p:sldId id="278" r:id="rId24"/>
   </p:sldIdLst>
   <p:sldSz cx="12192000" cy="6858000"/>
   <p:notesSz cx="6858000" cy="9144000"/>
@@ -280,7 +283,7 @@
           <a:p>
             <a:fld id="{19988417-0391-4147-9B1C-0D22B4D46753}" type="datetimeFigureOut">
               <a:rPr lang="en-DK" smtClean="0"/>
-              <a:t>13/05/2023</a:t>
+              <a:t>14/05/2023</a:t>
             </a:fld>
             <a:endParaRPr lang="en-DK"/>
           </a:p>
@@ -480,7 +483,7 @@
           <a:p>
             <a:fld id="{19988417-0391-4147-9B1C-0D22B4D46753}" type="datetimeFigureOut">
               <a:rPr lang="en-DK" smtClean="0"/>
-              <a:t>13/05/2023</a:t>
+              <a:t>14/05/2023</a:t>
             </a:fld>
             <a:endParaRPr lang="en-DK"/>
           </a:p>
@@ -690,7 +693,7 @@
           <a:p>
             <a:fld id="{19988417-0391-4147-9B1C-0D22B4D46753}" type="datetimeFigureOut">
               <a:rPr lang="en-DK" smtClean="0"/>
-              <a:t>13/05/2023</a:t>
+              <a:t>14/05/2023</a:t>
             </a:fld>
             <a:endParaRPr lang="en-DK"/>
           </a:p>
@@ -890,7 +893,7 @@
           <a:p>
             <a:fld id="{19988417-0391-4147-9B1C-0D22B4D46753}" type="datetimeFigureOut">
               <a:rPr lang="en-DK" smtClean="0"/>
-              <a:t>13/05/2023</a:t>
+              <a:t>14/05/2023</a:t>
             </a:fld>
             <a:endParaRPr lang="en-DK"/>
           </a:p>
@@ -1166,7 +1169,7 @@
           <a:p>
             <a:fld id="{19988417-0391-4147-9B1C-0D22B4D46753}" type="datetimeFigureOut">
               <a:rPr lang="en-DK" smtClean="0"/>
-              <a:t>13/05/2023</a:t>
+              <a:t>14/05/2023</a:t>
             </a:fld>
             <a:endParaRPr lang="en-DK"/>
           </a:p>
@@ -1434,7 +1437,7 @@
           <a:p>
             <a:fld id="{19988417-0391-4147-9B1C-0D22B4D46753}" type="datetimeFigureOut">
               <a:rPr lang="en-DK" smtClean="0"/>
-              <a:t>13/05/2023</a:t>
+              <a:t>14/05/2023</a:t>
             </a:fld>
             <a:endParaRPr lang="en-DK"/>
           </a:p>
@@ -1849,7 +1852,7 @@
           <a:p>
             <a:fld id="{19988417-0391-4147-9B1C-0D22B4D46753}" type="datetimeFigureOut">
               <a:rPr lang="en-DK" smtClean="0"/>
-              <a:t>13/05/2023</a:t>
+              <a:t>14/05/2023</a:t>
             </a:fld>
             <a:endParaRPr lang="en-DK"/>
           </a:p>
@@ -1991,7 +1994,7 @@
           <a:p>
             <a:fld id="{19988417-0391-4147-9B1C-0D22B4D46753}" type="datetimeFigureOut">
               <a:rPr lang="en-DK" smtClean="0"/>
-              <a:t>13/05/2023</a:t>
+              <a:t>14/05/2023</a:t>
             </a:fld>
             <a:endParaRPr lang="en-DK"/>
           </a:p>
@@ -2104,7 +2107,7 @@
           <a:p>
             <a:fld id="{19988417-0391-4147-9B1C-0D22B4D46753}" type="datetimeFigureOut">
               <a:rPr lang="en-DK" smtClean="0"/>
-              <a:t>13/05/2023</a:t>
+              <a:t>14/05/2023</a:t>
             </a:fld>
             <a:endParaRPr lang="en-DK"/>
           </a:p>
@@ -2417,7 +2420,7 @@
           <a:p>
             <a:fld id="{19988417-0391-4147-9B1C-0D22B4D46753}" type="datetimeFigureOut">
               <a:rPr lang="en-DK" smtClean="0"/>
-              <a:t>13/05/2023</a:t>
+              <a:t>14/05/2023</a:t>
             </a:fld>
             <a:endParaRPr lang="en-DK"/>
           </a:p>
@@ -2706,7 +2709,7 @@
           <a:p>
             <a:fld id="{19988417-0391-4147-9B1C-0D22B4D46753}" type="datetimeFigureOut">
               <a:rPr lang="en-DK" smtClean="0"/>
-              <a:t>13/05/2023</a:t>
+              <a:t>14/05/2023</a:t>
             </a:fld>
             <a:endParaRPr lang="en-DK"/>
           </a:p>
@@ -2949,7 +2952,7 @@
           <a:p>
             <a:fld id="{19988417-0391-4147-9B1C-0D22B4D46753}" type="datetimeFigureOut">
               <a:rPr lang="en-DK" smtClean="0"/>
-              <a:t>13/05/2023</a:t>
+              <a:t>14/05/2023</a:t>
             </a:fld>
             <a:endParaRPr lang="en-DK"/>
           </a:p>
@@ -8078,96 +8081,6 @@
       </p:cxnSp>
       <p:sp>
         <p:nvSpPr>
-          <p:cNvPr id="13" name="Oval 12">
-            <a:extLst>
-              <a:ext uri="{FF2B5EF4-FFF2-40B4-BE49-F238E27FC236}">
-                <a16:creationId xmlns:a16="http://schemas.microsoft.com/office/drawing/2014/main" id="{9E932891-631B-FC41-AE2C-78AE90C8CC56}"/>
-              </a:ext>
-            </a:extLst>
-          </p:cNvPr>
-          <p:cNvSpPr/>
-          <p:nvPr/>
-        </p:nvSpPr>
-        <p:spPr>
-          <a:xfrm>
-            <a:off x="457619" y="4526053"/>
-            <a:ext cx="737010" cy="238747"/>
-          </a:xfrm>
-          <a:prstGeom prst="ellipse">
-            <a:avLst/>
-          </a:prstGeom>
-          <a:effectLst/>
-        </p:spPr>
-        <p:style>
-          <a:lnRef idx="2">
-            <a:schemeClr val="dk1"/>
-          </a:lnRef>
-          <a:fillRef idx="1">
-            <a:schemeClr val="lt1"/>
-          </a:fillRef>
-          <a:effectRef idx="0">
-            <a:schemeClr val="dk1"/>
-          </a:effectRef>
-          <a:fontRef idx="minor">
-            <a:schemeClr val="dk1"/>
-          </a:fontRef>
-        </p:style>
-        <p:txBody>
-          <a:bodyPr wrap="none" rtlCol="0" anchor="ctr"/>
-          <a:lstStyle/>
-          <a:p>
-            <a:pPr algn="ctr"/>
-            <a:r>
-              <a:rPr lang="en-GB" sz="900" u="sng" dirty="0" err="1"/>
-              <a:t>emp_id</a:t>
-            </a:r>
-            <a:endParaRPr lang="is-IS" sz="900" u="sng" dirty="0"/>
-          </a:p>
-        </p:txBody>
-      </p:sp>
-      <p:cxnSp>
-        <p:nvCxnSpPr>
-          <p:cNvPr id="14" name="Straight Connector 13">
-            <a:extLst>
-              <a:ext uri="{FF2B5EF4-FFF2-40B4-BE49-F238E27FC236}">
-                <a16:creationId xmlns:a16="http://schemas.microsoft.com/office/drawing/2014/main" id="{4970E025-4FFA-692A-1155-67DCC22E0B91}"/>
-              </a:ext>
-            </a:extLst>
-          </p:cNvPr>
-          <p:cNvCxnSpPr>
-            <a:cxnSpLocks/>
-            <a:stCxn id="8" idx="1"/>
-            <a:endCxn id="13" idx="6"/>
-          </p:cNvCxnSpPr>
-          <p:nvPr/>
-        </p:nvCxnSpPr>
-        <p:spPr>
-          <a:xfrm flipH="1">
-            <a:off x="1194629" y="4480085"/>
-            <a:ext cx="316612" cy="165342"/>
-          </a:xfrm>
-          <a:prstGeom prst="line">
-            <a:avLst/>
-          </a:prstGeom>
-          <a:effectLst/>
-        </p:spPr>
-        <p:style>
-          <a:lnRef idx="2">
-            <a:schemeClr val="dk1"/>
-          </a:lnRef>
-          <a:fillRef idx="0">
-            <a:schemeClr val="dk1"/>
-          </a:fillRef>
-          <a:effectRef idx="1">
-            <a:schemeClr val="dk1"/>
-          </a:effectRef>
-          <a:fontRef idx="minor">
-            <a:schemeClr val="tx1"/>
-          </a:fontRef>
-        </p:style>
-      </p:cxnSp>
-      <p:sp>
-        <p:nvSpPr>
           <p:cNvPr id="15" name="Oval 14">
             <a:extLst>
               <a:ext uri="{FF2B5EF4-FFF2-40B4-BE49-F238E27FC236}">
@@ -8957,96 +8870,6 @@
           <a:xfrm flipH="1">
             <a:off x="1197767" y="4480085"/>
             <a:ext cx="313474" cy="544733"/>
-          </a:xfrm>
-          <a:prstGeom prst="line">
-            <a:avLst/>
-          </a:prstGeom>
-          <a:effectLst/>
-        </p:spPr>
-        <p:style>
-          <a:lnRef idx="2">
-            <a:schemeClr val="dk1"/>
-          </a:lnRef>
-          <a:fillRef idx="0">
-            <a:schemeClr val="dk1"/>
-          </a:fillRef>
-          <a:effectRef idx="1">
-            <a:schemeClr val="dk1"/>
-          </a:effectRef>
-          <a:fontRef idx="minor">
-            <a:schemeClr val="tx1"/>
-          </a:fontRef>
-        </p:style>
-      </p:cxnSp>
-      <p:sp>
-        <p:nvSpPr>
-          <p:cNvPr id="49" name="Oval 48">
-            <a:extLst>
-              <a:ext uri="{FF2B5EF4-FFF2-40B4-BE49-F238E27FC236}">
-                <a16:creationId xmlns:a16="http://schemas.microsoft.com/office/drawing/2014/main" id="{32597698-F296-4219-1945-82AAF94AA1CA}"/>
-              </a:ext>
-            </a:extLst>
-          </p:cNvPr>
-          <p:cNvSpPr/>
-          <p:nvPr/>
-        </p:nvSpPr>
-        <p:spPr>
-          <a:xfrm>
-            <a:off x="4987692" y="5142240"/>
-            <a:ext cx="737010" cy="238747"/>
-          </a:xfrm>
-          <a:prstGeom prst="ellipse">
-            <a:avLst/>
-          </a:prstGeom>
-          <a:effectLst/>
-        </p:spPr>
-        <p:style>
-          <a:lnRef idx="2">
-            <a:schemeClr val="dk1"/>
-          </a:lnRef>
-          <a:fillRef idx="1">
-            <a:schemeClr val="lt1"/>
-          </a:fillRef>
-          <a:effectRef idx="0">
-            <a:schemeClr val="dk1"/>
-          </a:effectRef>
-          <a:fontRef idx="minor">
-            <a:schemeClr val="dk1"/>
-          </a:fontRef>
-        </p:style>
-        <p:txBody>
-          <a:bodyPr wrap="none" rtlCol="0" anchor="ctr"/>
-          <a:lstStyle/>
-          <a:p>
-            <a:pPr algn="ctr"/>
-            <a:r>
-              <a:rPr lang="en-GB" sz="900" u="sng" dirty="0" err="1"/>
-              <a:t>emp_id</a:t>
-            </a:r>
-            <a:endParaRPr lang="is-IS" sz="900" u="sng" dirty="0"/>
-          </a:p>
-        </p:txBody>
-      </p:sp>
-      <p:cxnSp>
-        <p:nvCxnSpPr>
-          <p:cNvPr id="50" name="Straight Connector 49">
-            <a:extLst>
-              <a:ext uri="{FF2B5EF4-FFF2-40B4-BE49-F238E27FC236}">
-                <a16:creationId xmlns:a16="http://schemas.microsoft.com/office/drawing/2014/main" id="{5B1EA282-4F58-0053-8440-EAC8FBC02F0B}"/>
-              </a:ext>
-            </a:extLst>
-          </p:cNvPr>
-          <p:cNvCxnSpPr>
-            <a:cxnSpLocks/>
-            <a:stCxn id="9" idx="3"/>
-            <a:endCxn id="49" idx="0"/>
-          </p:cNvCxnSpPr>
-          <p:nvPr/>
-        </p:nvCxnSpPr>
-        <p:spPr>
-          <a:xfrm>
-            <a:off x="4693065" y="4472336"/>
-            <a:ext cx="663132" cy="669904"/>
           </a:xfrm>
           <a:prstGeom prst="line">
             <a:avLst/>
@@ -9320,96 +9143,6 @@
       </p:cxnSp>
       <p:sp>
         <p:nvSpPr>
-          <p:cNvPr id="13" name="Oval 12">
-            <a:extLst>
-              <a:ext uri="{FF2B5EF4-FFF2-40B4-BE49-F238E27FC236}">
-                <a16:creationId xmlns:a16="http://schemas.microsoft.com/office/drawing/2014/main" id="{9E932891-631B-FC41-AE2C-78AE90C8CC56}"/>
-              </a:ext>
-            </a:extLst>
-          </p:cNvPr>
-          <p:cNvSpPr/>
-          <p:nvPr/>
-        </p:nvSpPr>
-        <p:spPr>
-          <a:xfrm>
-            <a:off x="457619" y="4526053"/>
-            <a:ext cx="737010" cy="238747"/>
-          </a:xfrm>
-          <a:prstGeom prst="ellipse">
-            <a:avLst/>
-          </a:prstGeom>
-          <a:effectLst/>
-        </p:spPr>
-        <p:style>
-          <a:lnRef idx="2">
-            <a:schemeClr val="dk1"/>
-          </a:lnRef>
-          <a:fillRef idx="1">
-            <a:schemeClr val="lt1"/>
-          </a:fillRef>
-          <a:effectRef idx="0">
-            <a:schemeClr val="dk1"/>
-          </a:effectRef>
-          <a:fontRef idx="minor">
-            <a:schemeClr val="dk1"/>
-          </a:fontRef>
-        </p:style>
-        <p:txBody>
-          <a:bodyPr wrap="none" rtlCol="0" anchor="ctr"/>
-          <a:lstStyle/>
-          <a:p>
-            <a:pPr algn="ctr"/>
-            <a:r>
-              <a:rPr lang="en-GB" sz="900" u="sng" dirty="0" err="1"/>
-              <a:t>vehicle_id</a:t>
-            </a:r>
-            <a:endParaRPr lang="is-IS" sz="900" u="sng" dirty="0"/>
-          </a:p>
-        </p:txBody>
-      </p:sp>
-      <p:cxnSp>
-        <p:nvCxnSpPr>
-          <p:cNvPr id="14" name="Straight Connector 13">
-            <a:extLst>
-              <a:ext uri="{FF2B5EF4-FFF2-40B4-BE49-F238E27FC236}">
-                <a16:creationId xmlns:a16="http://schemas.microsoft.com/office/drawing/2014/main" id="{4970E025-4FFA-692A-1155-67DCC22E0B91}"/>
-              </a:ext>
-            </a:extLst>
-          </p:cNvPr>
-          <p:cNvCxnSpPr>
-            <a:cxnSpLocks/>
-            <a:stCxn id="8" idx="1"/>
-            <a:endCxn id="13" idx="6"/>
-          </p:cNvCxnSpPr>
-          <p:nvPr/>
-        </p:nvCxnSpPr>
-        <p:spPr>
-          <a:xfrm flipH="1">
-            <a:off x="1194629" y="4480085"/>
-            <a:ext cx="316612" cy="165342"/>
-          </a:xfrm>
-          <a:prstGeom prst="line">
-            <a:avLst/>
-          </a:prstGeom>
-          <a:effectLst/>
-        </p:spPr>
-        <p:style>
-          <a:lnRef idx="2">
-            <a:schemeClr val="dk1"/>
-          </a:lnRef>
-          <a:fillRef idx="0">
-            <a:schemeClr val="dk1"/>
-          </a:fillRef>
-          <a:effectRef idx="1">
-            <a:schemeClr val="dk1"/>
-          </a:effectRef>
-          <a:fontRef idx="minor">
-            <a:schemeClr val="tx1"/>
-          </a:fontRef>
-        </p:style>
-      </p:cxnSp>
-      <p:sp>
-        <p:nvSpPr>
           <p:cNvPr id="15" name="Oval 14">
             <a:extLst>
               <a:ext uri="{FF2B5EF4-FFF2-40B4-BE49-F238E27FC236}">
@@ -10191,96 +9924,6 @@
           <a:xfrm flipH="1">
             <a:off x="1197767" y="4480085"/>
             <a:ext cx="313474" cy="543758"/>
-          </a:xfrm>
-          <a:prstGeom prst="line">
-            <a:avLst/>
-          </a:prstGeom>
-          <a:effectLst/>
-        </p:spPr>
-        <p:style>
-          <a:lnRef idx="2">
-            <a:schemeClr val="dk1"/>
-          </a:lnRef>
-          <a:fillRef idx="0">
-            <a:schemeClr val="dk1"/>
-          </a:fillRef>
-          <a:effectRef idx="1">
-            <a:schemeClr val="dk1"/>
-          </a:effectRef>
-          <a:fontRef idx="minor">
-            <a:schemeClr val="tx1"/>
-          </a:fontRef>
-        </p:style>
-      </p:cxnSp>
-      <p:sp>
-        <p:nvSpPr>
-          <p:cNvPr id="49" name="Oval 48">
-            <a:extLst>
-              <a:ext uri="{FF2B5EF4-FFF2-40B4-BE49-F238E27FC236}">
-                <a16:creationId xmlns:a16="http://schemas.microsoft.com/office/drawing/2014/main" id="{32597698-F296-4219-1945-82AAF94AA1CA}"/>
-              </a:ext>
-            </a:extLst>
-          </p:cNvPr>
-          <p:cNvSpPr/>
-          <p:nvPr/>
-        </p:nvSpPr>
-        <p:spPr>
-          <a:xfrm>
-            <a:off x="4987692" y="5142240"/>
-            <a:ext cx="737010" cy="238747"/>
-          </a:xfrm>
-          <a:prstGeom prst="ellipse">
-            <a:avLst/>
-          </a:prstGeom>
-          <a:effectLst/>
-        </p:spPr>
-        <p:style>
-          <a:lnRef idx="2">
-            <a:schemeClr val="dk1"/>
-          </a:lnRef>
-          <a:fillRef idx="1">
-            <a:schemeClr val="lt1"/>
-          </a:fillRef>
-          <a:effectRef idx="0">
-            <a:schemeClr val="dk1"/>
-          </a:effectRef>
-          <a:fontRef idx="minor">
-            <a:schemeClr val="dk1"/>
-          </a:fontRef>
-        </p:style>
-        <p:txBody>
-          <a:bodyPr wrap="none" rtlCol="0" anchor="ctr"/>
-          <a:lstStyle/>
-          <a:p>
-            <a:pPr algn="ctr"/>
-            <a:r>
-              <a:rPr lang="en-GB" sz="900" u="sng" dirty="0" err="1"/>
-              <a:t>vehicle_id</a:t>
-            </a:r>
-            <a:endParaRPr lang="is-IS" sz="900" u="sng" dirty="0"/>
-          </a:p>
-        </p:txBody>
-      </p:sp>
-      <p:cxnSp>
-        <p:nvCxnSpPr>
-          <p:cNvPr id="50" name="Straight Connector 49">
-            <a:extLst>
-              <a:ext uri="{FF2B5EF4-FFF2-40B4-BE49-F238E27FC236}">
-                <a16:creationId xmlns:a16="http://schemas.microsoft.com/office/drawing/2014/main" id="{5B1EA282-4F58-0053-8440-EAC8FBC02F0B}"/>
-              </a:ext>
-            </a:extLst>
-          </p:cNvPr>
-          <p:cNvCxnSpPr>
-            <a:cxnSpLocks/>
-            <a:stCxn id="9" idx="3"/>
-            <a:endCxn id="49" idx="0"/>
-          </p:cNvCxnSpPr>
-          <p:nvPr/>
-        </p:nvCxnSpPr>
-        <p:spPr>
-          <a:xfrm>
-            <a:off x="4693065" y="4472336"/>
-            <a:ext cx="663132" cy="669904"/>
           </a:xfrm>
           <a:prstGeom prst="line">
             <a:avLst/>
@@ -10554,96 +10197,6 @@
       </p:cxnSp>
       <p:sp>
         <p:nvSpPr>
-          <p:cNvPr id="13" name="Oval 12">
-            <a:extLst>
-              <a:ext uri="{FF2B5EF4-FFF2-40B4-BE49-F238E27FC236}">
-                <a16:creationId xmlns:a16="http://schemas.microsoft.com/office/drawing/2014/main" id="{9E932891-631B-FC41-AE2C-78AE90C8CC56}"/>
-              </a:ext>
-            </a:extLst>
-          </p:cNvPr>
-          <p:cNvSpPr/>
-          <p:nvPr/>
-        </p:nvSpPr>
-        <p:spPr>
-          <a:xfrm>
-            <a:off x="457619" y="4526053"/>
-            <a:ext cx="737010" cy="238747"/>
-          </a:xfrm>
-          <a:prstGeom prst="ellipse">
-            <a:avLst/>
-          </a:prstGeom>
-          <a:effectLst/>
-        </p:spPr>
-        <p:style>
-          <a:lnRef idx="2">
-            <a:schemeClr val="dk1"/>
-          </a:lnRef>
-          <a:fillRef idx="1">
-            <a:schemeClr val="lt1"/>
-          </a:fillRef>
-          <a:effectRef idx="0">
-            <a:schemeClr val="dk1"/>
-          </a:effectRef>
-          <a:fontRef idx="minor">
-            <a:schemeClr val="dk1"/>
-          </a:fontRef>
-        </p:style>
-        <p:txBody>
-          <a:bodyPr wrap="none" rtlCol="0" anchor="ctr"/>
-          <a:lstStyle/>
-          <a:p>
-            <a:pPr algn="ctr"/>
-            <a:r>
-              <a:rPr lang="en-GB" sz="900" u="sng" dirty="0"/>
-              <a:t>shape _id</a:t>
-            </a:r>
-            <a:endParaRPr lang="is-IS" sz="900" u="sng" dirty="0"/>
-          </a:p>
-        </p:txBody>
-      </p:sp>
-      <p:cxnSp>
-        <p:nvCxnSpPr>
-          <p:cNvPr id="14" name="Straight Connector 13">
-            <a:extLst>
-              <a:ext uri="{FF2B5EF4-FFF2-40B4-BE49-F238E27FC236}">
-                <a16:creationId xmlns:a16="http://schemas.microsoft.com/office/drawing/2014/main" id="{4970E025-4FFA-692A-1155-67DCC22E0B91}"/>
-              </a:ext>
-            </a:extLst>
-          </p:cNvPr>
-          <p:cNvCxnSpPr>
-            <a:cxnSpLocks/>
-            <a:stCxn id="8" idx="1"/>
-            <a:endCxn id="13" idx="6"/>
-          </p:cNvCxnSpPr>
-          <p:nvPr/>
-        </p:nvCxnSpPr>
-        <p:spPr>
-          <a:xfrm flipH="1">
-            <a:off x="1194629" y="4480085"/>
-            <a:ext cx="316612" cy="165342"/>
-          </a:xfrm>
-          <a:prstGeom prst="line">
-            <a:avLst/>
-          </a:prstGeom>
-          <a:effectLst/>
-        </p:spPr>
-        <p:style>
-          <a:lnRef idx="2">
-            <a:schemeClr val="dk1"/>
-          </a:lnRef>
-          <a:fillRef idx="0">
-            <a:schemeClr val="dk1"/>
-          </a:fillRef>
-          <a:effectRef idx="1">
-            <a:schemeClr val="dk1"/>
-          </a:effectRef>
-          <a:fontRef idx="minor">
-            <a:schemeClr val="tx1"/>
-          </a:fontRef>
-        </p:style>
-      </p:cxnSp>
-      <p:sp>
-        <p:nvSpPr>
           <p:cNvPr id="15" name="Oval 14">
             <a:extLst>
               <a:ext uri="{FF2B5EF4-FFF2-40B4-BE49-F238E27FC236}">
@@ -11325,96 +10878,6 @@
           <a:xfrm flipH="1">
             <a:off x="1197767" y="4480085"/>
             <a:ext cx="313474" cy="543758"/>
-          </a:xfrm>
-          <a:prstGeom prst="line">
-            <a:avLst/>
-          </a:prstGeom>
-          <a:effectLst/>
-        </p:spPr>
-        <p:style>
-          <a:lnRef idx="2">
-            <a:schemeClr val="dk1"/>
-          </a:lnRef>
-          <a:fillRef idx="0">
-            <a:schemeClr val="dk1"/>
-          </a:fillRef>
-          <a:effectRef idx="1">
-            <a:schemeClr val="dk1"/>
-          </a:effectRef>
-          <a:fontRef idx="minor">
-            <a:schemeClr val="tx1"/>
-          </a:fontRef>
-        </p:style>
-      </p:cxnSp>
-      <p:sp>
-        <p:nvSpPr>
-          <p:cNvPr id="49" name="Oval 48">
-            <a:extLst>
-              <a:ext uri="{FF2B5EF4-FFF2-40B4-BE49-F238E27FC236}">
-                <a16:creationId xmlns:a16="http://schemas.microsoft.com/office/drawing/2014/main" id="{32597698-F296-4219-1945-82AAF94AA1CA}"/>
-              </a:ext>
-            </a:extLst>
-          </p:cNvPr>
-          <p:cNvSpPr/>
-          <p:nvPr/>
-        </p:nvSpPr>
-        <p:spPr>
-          <a:xfrm>
-            <a:off x="4987692" y="5142240"/>
-            <a:ext cx="737010" cy="238747"/>
-          </a:xfrm>
-          <a:prstGeom prst="ellipse">
-            <a:avLst/>
-          </a:prstGeom>
-          <a:effectLst/>
-        </p:spPr>
-        <p:style>
-          <a:lnRef idx="2">
-            <a:schemeClr val="dk1"/>
-          </a:lnRef>
-          <a:fillRef idx="1">
-            <a:schemeClr val="lt1"/>
-          </a:fillRef>
-          <a:effectRef idx="0">
-            <a:schemeClr val="dk1"/>
-          </a:effectRef>
-          <a:fontRef idx="minor">
-            <a:schemeClr val="dk1"/>
-          </a:fontRef>
-        </p:style>
-        <p:txBody>
-          <a:bodyPr wrap="none" rtlCol="0" anchor="ctr"/>
-          <a:lstStyle/>
-          <a:p>
-            <a:pPr algn="ctr"/>
-            <a:r>
-              <a:rPr lang="en-GB" sz="900" u="sng" dirty="0" err="1"/>
-              <a:t>shape_id</a:t>
-            </a:r>
-            <a:endParaRPr lang="is-IS" sz="900" u="sng" dirty="0"/>
-          </a:p>
-        </p:txBody>
-      </p:sp>
-      <p:cxnSp>
-        <p:nvCxnSpPr>
-          <p:cNvPr id="50" name="Straight Connector 49">
-            <a:extLst>
-              <a:ext uri="{FF2B5EF4-FFF2-40B4-BE49-F238E27FC236}">
-                <a16:creationId xmlns:a16="http://schemas.microsoft.com/office/drawing/2014/main" id="{5B1EA282-4F58-0053-8440-EAC8FBC02F0B}"/>
-              </a:ext>
-            </a:extLst>
-          </p:cNvPr>
-          <p:cNvCxnSpPr>
-            <a:cxnSpLocks/>
-            <a:stCxn id="9" idx="3"/>
-            <a:endCxn id="49" idx="0"/>
-          </p:cNvCxnSpPr>
-          <p:nvPr/>
-        </p:nvCxnSpPr>
-        <p:spPr>
-          <a:xfrm>
-            <a:off x="4693065" y="4472336"/>
-            <a:ext cx="663132" cy="669904"/>
           </a:xfrm>
           <a:prstGeom prst="line">
             <a:avLst/>
@@ -11688,96 +11151,6 @@
       </p:cxnSp>
       <p:sp>
         <p:nvSpPr>
-          <p:cNvPr id="13" name="Oval 12">
-            <a:extLst>
-              <a:ext uri="{FF2B5EF4-FFF2-40B4-BE49-F238E27FC236}">
-                <a16:creationId xmlns:a16="http://schemas.microsoft.com/office/drawing/2014/main" id="{9E932891-631B-FC41-AE2C-78AE90C8CC56}"/>
-              </a:ext>
-            </a:extLst>
-          </p:cNvPr>
-          <p:cNvSpPr/>
-          <p:nvPr/>
-        </p:nvSpPr>
-        <p:spPr>
-          <a:xfrm>
-            <a:off x="457619" y="4526053"/>
-            <a:ext cx="737010" cy="238747"/>
-          </a:xfrm>
-          <a:prstGeom prst="ellipse">
-            <a:avLst/>
-          </a:prstGeom>
-          <a:effectLst/>
-        </p:spPr>
-        <p:style>
-          <a:lnRef idx="2">
-            <a:schemeClr val="dk1"/>
-          </a:lnRef>
-          <a:fillRef idx="1">
-            <a:schemeClr val="lt1"/>
-          </a:fillRef>
-          <a:effectRef idx="0">
-            <a:schemeClr val="dk1"/>
-          </a:effectRef>
-          <a:fontRef idx="minor">
-            <a:schemeClr val="dk1"/>
-          </a:fontRef>
-        </p:style>
-        <p:txBody>
-          <a:bodyPr wrap="none" rtlCol="0" anchor="ctr"/>
-          <a:lstStyle/>
-          <a:p>
-            <a:pPr algn="ctr"/>
-            <a:r>
-              <a:rPr lang="en-GB" sz="900" u="sng" dirty="0" err="1"/>
-              <a:t>animal_id</a:t>
-            </a:r>
-            <a:endParaRPr lang="is-IS" sz="900" u="sng" dirty="0"/>
-          </a:p>
-        </p:txBody>
-      </p:sp>
-      <p:cxnSp>
-        <p:nvCxnSpPr>
-          <p:cNvPr id="14" name="Straight Connector 13">
-            <a:extLst>
-              <a:ext uri="{FF2B5EF4-FFF2-40B4-BE49-F238E27FC236}">
-                <a16:creationId xmlns:a16="http://schemas.microsoft.com/office/drawing/2014/main" id="{4970E025-4FFA-692A-1155-67DCC22E0B91}"/>
-              </a:ext>
-            </a:extLst>
-          </p:cNvPr>
-          <p:cNvCxnSpPr>
-            <a:cxnSpLocks/>
-            <a:stCxn id="8" idx="1"/>
-            <a:endCxn id="13" idx="6"/>
-          </p:cNvCxnSpPr>
-          <p:nvPr/>
-        </p:nvCxnSpPr>
-        <p:spPr>
-          <a:xfrm flipH="1">
-            <a:off x="1194629" y="4480085"/>
-            <a:ext cx="316612" cy="165342"/>
-          </a:xfrm>
-          <a:prstGeom prst="line">
-            <a:avLst/>
-          </a:prstGeom>
-          <a:effectLst/>
-        </p:spPr>
-        <p:style>
-          <a:lnRef idx="2">
-            <a:schemeClr val="dk1"/>
-          </a:lnRef>
-          <a:fillRef idx="0">
-            <a:schemeClr val="dk1"/>
-          </a:fillRef>
-          <a:effectRef idx="1">
-            <a:schemeClr val="dk1"/>
-          </a:effectRef>
-          <a:fontRef idx="minor">
-            <a:schemeClr val="tx1"/>
-          </a:fontRef>
-        </p:style>
-      </p:cxnSp>
-      <p:sp>
-        <p:nvSpPr>
           <p:cNvPr id="15" name="Oval 14">
             <a:extLst>
               <a:ext uri="{FF2B5EF4-FFF2-40B4-BE49-F238E27FC236}">
@@ -12461,96 +11834,6 @@
           <a:xfrm flipH="1">
             <a:off x="1197767" y="4480085"/>
             <a:ext cx="313474" cy="543758"/>
-          </a:xfrm>
-          <a:prstGeom prst="line">
-            <a:avLst/>
-          </a:prstGeom>
-          <a:effectLst/>
-        </p:spPr>
-        <p:style>
-          <a:lnRef idx="2">
-            <a:schemeClr val="dk1"/>
-          </a:lnRef>
-          <a:fillRef idx="0">
-            <a:schemeClr val="dk1"/>
-          </a:fillRef>
-          <a:effectRef idx="1">
-            <a:schemeClr val="dk1"/>
-          </a:effectRef>
-          <a:fontRef idx="minor">
-            <a:schemeClr val="tx1"/>
-          </a:fontRef>
-        </p:style>
-      </p:cxnSp>
-      <p:sp>
-        <p:nvSpPr>
-          <p:cNvPr id="49" name="Oval 48">
-            <a:extLst>
-              <a:ext uri="{FF2B5EF4-FFF2-40B4-BE49-F238E27FC236}">
-                <a16:creationId xmlns:a16="http://schemas.microsoft.com/office/drawing/2014/main" id="{32597698-F296-4219-1945-82AAF94AA1CA}"/>
-              </a:ext>
-            </a:extLst>
-          </p:cNvPr>
-          <p:cNvSpPr/>
-          <p:nvPr/>
-        </p:nvSpPr>
-        <p:spPr>
-          <a:xfrm>
-            <a:off x="4987692" y="5142240"/>
-            <a:ext cx="737010" cy="238747"/>
-          </a:xfrm>
-          <a:prstGeom prst="ellipse">
-            <a:avLst/>
-          </a:prstGeom>
-          <a:effectLst/>
-        </p:spPr>
-        <p:style>
-          <a:lnRef idx="2">
-            <a:schemeClr val="dk1"/>
-          </a:lnRef>
-          <a:fillRef idx="1">
-            <a:schemeClr val="lt1"/>
-          </a:fillRef>
-          <a:effectRef idx="0">
-            <a:schemeClr val="dk1"/>
-          </a:effectRef>
-          <a:fontRef idx="minor">
-            <a:schemeClr val="dk1"/>
-          </a:fontRef>
-        </p:style>
-        <p:txBody>
-          <a:bodyPr wrap="none" rtlCol="0" anchor="ctr"/>
-          <a:lstStyle/>
-          <a:p>
-            <a:pPr algn="ctr"/>
-            <a:r>
-              <a:rPr lang="en-GB" sz="900" u="sng" dirty="0"/>
-              <a:t>animal id</a:t>
-            </a:r>
-            <a:endParaRPr lang="is-IS" sz="900" u="sng" dirty="0"/>
-          </a:p>
-        </p:txBody>
-      </p:sp>
-      <p:cxnSp>
-        <p:nvCxnSpPr>
-          <p:cNvPr id="50" name="Straight Connector 49">
-            <a:extLst>
-              <a:ext uri="{FF2B5EF4-FFF2-40B4-BE49-F238E27FC236}">
-                <a16:creationId xmlns:a16="http://schemas.microsoft.com/office/drawing/2014/main" id="{5B1EA282-4F58-0053-8440-EAC8FBC02F0B}"/>
-              </a:ext>
-            </a:extLst>
-          </p:cNvPr>
-          <p:cNvCxnSpPr>
-            <a:cxnSpLocks/>
-            <a:stCxn id="9" idx="3"/>
-            <a:endCxn id="49" idx="0"/>
-          </p:cNvCxnSpPr>
-          <p:nvPr/>
-        </p:nvCxnSpPr>
-        <p:spPr>
-          <a:xfrm>
-            <a:off x="4693065" y="4472336"/>
-            <a:ext cx="663132" cy="669904"/>
           </a:xfrm>
           <a:prstGeom prst="line">
             <a:avLst/>
@@ -15021,6 +14304,1966 @@
     <p:extLst>
       <p:ext uri="{BB962C8B-B14F-4D97-AF65-F5344CB8AC3E}">
         <p14:creationId xmlns:p14="http://schemas.microsoft.com/office/powerpoint/2010/main" val="589660743"/>
+      </p:ext>
+    </p:extLst>
+  </p:cSld>
+  <p:clrMapOvr>
+    <a:masterClrMapping/>
+  </p:clrMapOvr>
+</p:sld>
+</file>
+
+<file path=ppt/slides/slide21.xml><?xml version="1.0" encoding="utf-8"?>
+<p:sld xmlns:a="http://schemas.openxmlformats.org/drawingml/2006/main" xmlns:r="http://schemas.openxmlformats.org/officeDocument/2006/relationships" xmlns:p="http://schemas.openxmlformats.org/presentationml/2006/main">
+  <p:cSld>
+    <p:spTree>
+      <p:nvGrpSpPr>
+        <p:cNvPr id="1" name=""/>
+        <p:cNvGrpSpPr/>
+        <p:nvPr/>
+      </p:nvGrpSpPr>
+      <p:grpSpPr>
+        <a:xfrm>
+          <a:off x="0" y="0"/>
+          <a:ext cx="0" cy="0"/>
+          <a:chOff x="0" y="0"/>
+          <a:chExt cx="0" cy="0"/>
+        </a:xfrm>
+      </p:grpSpPr>
+      <p:sp>
+        <p:nvSpPr>
+          <p:cNvPr id="5" name="Rectangle 4">
+            <a:extLst>
+              <a:ext uri="{FF2B5EF4-FFF2-40B4-BE49-F238E27FC236}">
+                <a16:creationId xmlns:a16="http://schemas.microsoft.com/office/drawing/2014/main" id="{C77FD3DE-6978-99D7-C5A8-54F79C27CEDA}"/>
+              </a:ext>
+            </a:extLst>
+          </p:cNvPr>
+          <p:cNvSpPr/>
+          <p:nvPr/>
+        </p:nvSpPr>
+        <p:spPr>
+          <a:xfrm>
+            <a:off x="485815" y="2142395"/>
+            <a:ext cx="1015536" cy="346183"/>
+          </a:xfrm>
+          <a:prstGeom prst="rect">
+            <a:avLst/>
+          </a:prstGeom>
+          <a:effectLst/>
+        </p:spPr>
+        <p:style>
+          <a:lnRef idx="2">
+            <a:schemeClr val="dk1"/>
+          </a:lnRef>
+          <a:fillRef idx="1">
+            <a:schemeClr val="lt1"/>
+          </a:fillRef>
+          <a:effectRef idx="0">
+            <a:schemeClr val="dk1"/>
+          </a:effectRef>
+          <a:fontRef idx="minor">
+            <a:schemeClr val="dk1"/>
+          </a:fontRef>
+        </p:style>
+        <p:txBody>
+          <a:bodyPr wrap="none" rtlCol="0" anchor="ctr"/>
+          <a:lstStyle/>
+          <a:p>
+            <a:pPr algn="ctr"/>
+            <a:r>
+              <a:rPr lang="is-IS" sz="1200" dirty="0"/>
+              <a:t>E1</a:t>
+            </a:r>
+          </a:p>
+        </p:txBody>
+      </p:sp>
+      <p:sp>
+        <p:nvSpPr>
+          <p:cNvPr id="11" name="Rectangle 10">
+            <a:extLst>
+              <a:ext uri="{FF2B5EF4-FFF2-40B4-BE49-F238E27FC236}">
+                <a16:creationId xmlns:a16="http://schemas.microsoft.com/office/drawing/2014/main" id="{B59679A3-2FEE-FEC3-40B7-F50FCAC5736F}"/>
+              </a:ext>
+            </a:extLst>
+          </p:cNvPr>
+          <p:cNvSpPr/>
+          <p:nvPr/>
+        </p:nvSpPr>
+        <p:spPr>
+          <a:xfrm>
+            <a:off x="4027242" y="2142396"/>
+            <a:ext cx="1015536" cy="346183"/>
+          </a:xfrm>
+          <a:prstGeom prst="rect">
+            <a:avLst/>
+          </a:prstGeom>
+          <a:effectLst/>
+        </p:spPr>
+        <p:style>
+          <a:lnRef idx="2">
+            <a:schemeClr val="dk1"/>
+          </a:lnRef>
+          <a:fillRef idx="1">
+            <a:schemeClr val="lt1"/>
+          </a:fillRef>
+          <a:effectRef idx="0">
+            <a:schemeClr val="dk1"/>
+          </a:effectRef>
+          <a:fontRef idx="minor">
+            <a:schemeClr val="dk1"/>
+          </a:fontRef>
+        </p:style>
+        <p:txBody>
+          <a:bodyPr wrap="none" rtlCol="0" anchor="ctr"/>
+          <a:lstStyle/>
+          <a:p>
+            <a:pPr algn="ctr"/>
+            <a:r>
+              <a:rPr lang="is-IS" sz="1200" dirty="0"/>
+              <a:t>E2</a:t>
+            </a:r>
+          </a:p>
+        </p:txBody>
+      </p:sp>
+      <p:grpSp>
+        <p:nvGrpSpPr>
+          <p:cNvPr id="17" name="Group 16">
+            <a:extLst>
+              <a:ext uri="{FF2B5EF4-FFF2-40B4-BE49-F238E27FC236}">
+                <a16:creationId xmlns:a16="http://schemas.microsoft.com/office/drawing/2014/main" id="{AD4B306F-6A36-B018-EA57-DABAB0D20E78}"/>
+              </a:ext>
+            </a:extLst>
+          </p:cNvPr>
+          <p:cNvGrpSpPr/>
+          <p:nvPr/>
+        </p:nvGrpSpPr>
+        <p:grpSpPr>
+          <a:xfrm>
+            <a:off x="2111394" y="2018372"/>
+            <a:ext cx="1204330" cy="591011"/>
+            <a:chOff x="2921621" y="2018372"/>
+            <a:chExt cx="1204330" cy="591011"/>
+          </a:xfrm>
+        </p:grpSpPr>
+        <p:sp>
+          <p:nvSpPr>
+            <p:cNvPr id="16" name="Rectangle 15">
+              <a:extLst>
+                <a:ext uri="{FF2B5EF4-FFF2-40B4-BE49-F238E27FC236}">
+                  <a16:creationId xmlns:a16="http://schemas.microsoft.com/office/drawing/2014/main" id="{32A02827-D6B6-0B2F-D7E8-10805B3BBA1F}"/>
+                </a:ext>
+              </a:extLst>
+            </p:cNvPr>
+            <p:cNvSpPr/>
+            <p:nvPr/>
+          </p:nvSpPr>
+          <p:spPr>
+            <a:xfrm>
+              <a:off x="2921621" y="2018372"/>
+              <a:ext cx="1204330" cy="591011"/>
+            </a:xfrm>
+            <a:prstGeom prst="rect">
+              <a:avLst/>
+            </a:prstGeom>
+            <a:effectLst/>
+          </p:spPr>
+          <p:style>
+            <a:lnRef idx="2">
+              <a:schemeClr val="dk1"/>
+            </a:lnRef>
+            <a:fillRef idx="1">
+              <a:schemeClr val="lt1"/>
+            </a:fillRef>
+            <a:effectRef idx="0">
+              <a:schemeClr val="dk1"/>
+            </a:effectRef>
+            <a:fontRef idx="minor">
+              <a:schemeClr val="dk1"/>
+            </a:fontRef>
+          </p:style>
+          <p:txBody>
+            <a:bodyPr wrap="none" rtlCol="0" anchor="ctr"/>
+            <a:lstStyle/>
+            <a:p>
+              <a:pPr algn="ctr"/>
+              <a:endParaRPr lang="is-IS" sz="1200" dirty="0"/>
+            </a:p>
+          </p:txBody>
+        </p:sp>
+        <p:sp>
+          <p:nvSpPr>
+            <p:cNvPr id="4" name="Diamond 3">
+              <a:extLst>
+                <a:ext uri="{FF2B5EF4-FFF2-40B4-BE49-F238E27FC236}">
+                  <a16:creationId xmlns:a16="http://schemas.microsoft.com/office/drawing/2014/main" id="{DD79A121-BF27-61BF-BCD1-C0C49BA04C87}"/>
+                </a:ext>
+              </a:extLst>
+            </p:cNvPr>
+            <p:cNvSpPr/>
+            <p:nvPr/>
+          </p:nvSpPr>
+          <p:spPr>
+            <a:xfrm>
+              <a:off x="3014296" y="2102645"/>
+              <a:ext cx="1011800" cy="425685"/>
+            </a:xfrm>
+            <a:prstGeom prst="diamond">
+              <a:avLst/>
+            </a:prstGeom>
+            <a:effectLst/>
+          </p:spPr>
+          <p:style>
+            <a:lnRef idx="2">
+              <a:schemeClr val="dk1"/>
+            </a:lnRef>
+            <a:fillRef idx="1">
+              <a:schemeClr val="lt1"/>
+            </a:fillRef>
+            <a:effectRef idx="0">
+              <a:schemeClr val="dk1"/>
+            </a:effectRef>
+            <a:fontRef idx="minor">
+              <a:schemeClr val="dk1"/>
+            </a:fontRef>
+          </p:style>
+          <p:txBody>
+            <a:bodyPr wrap="none" rtlCol="0" anchor="ctr"/>
+            <a:lstStyle/>
+            <a:p>
+              <a:pPr algn="ctr"/>
+              <a:r>
+                <a:rPr lang="is-IS" sz="900" dirty="0"/>
+                <a:t>R1</a:t>
+              </a:r>
+            </a:p>
+          </p:txBody>
+        </p:sp>
+      </p:grpSp>
+      <p:cxnSp>
+        <p:nvCxnSpPr>
+          <p:cNvPr id="6" name="Straight Connector 5">
+            <a:extLst>
+              <a:ext uri="{FF2B5EF4-FFF2-40B4-BE49-F238E27FC236}">
+                <a16:creationId xmlns:a16="http://schemas.microsoft.com/office/drawing/2014/main" id="{ACD68CC8-EED9-FBDA-FA96-61E975464B75}"/>
+              </a:ext>
+            </a:extLst>
+          </p:cNvPr>
+          <p:cNvCxnSpPr>
+            <a:cxnSpLocks/>
+            <a:stCxn id="4" idx="1"/>
+            <a:endCxn id="5" idx="3"/>
+          </p:cNvCxnSpPr>
+          <p:nvPr/>
+        </p:nvCxnSpPr>
+        <p:spPr>
+          <a:xfrm flipH="1" flipV="1">
+            <a:off x="1501351" y="2315487"/>
+            <a:ext cx="702718" cy="1"/>
+          </a:xfrm>
+          <a:prstGeom prst="line">
+            <a:avLst/>
+          </a:prstGeom>
+          <a:effectLst/>
+        </p:spPr>
+        <p:style>
+          <a:lnRef idx="2">
+            <a:schemeClr val="dk1"/>
+          </a:lnRef>
+          <a:fillRef idx="0">
+            <a:schemeClr val="dk1"/>
+          </a:fillRef>
+          <a:effectRef idx="1">
+            <a:schemeClr val="dk1"/>
+          </a:effectRef>
+          <a:fontRef idx="minor">
+            <a:schemeClr val="tx1"/>
+          </a:fontRef>
+        </p:style>
+      </p:cxnSp>
+      <p:cxnSp>
+        <p:nvCxnSpPr>
+          <p:cNvPr id="12" name="Straight Connector 11">
+            <a:extLst>
+              <a:ext uri="{FF2B5EF4-FFF2-40B4-BE49-F238E27FC236}">
+                <a16:creationId xmlns:a16="http://schemas.microsoft.com/office/drawing/2014/main" id="{F04F5348-B2D1-0285-6218-331F1E46AD30}"/>
+              </a:ext>
+            </a:extLst>
+          </p:cNvPr>
+          <p:cNvCxnSpPr>
+            <a:cxnSpLocks/>
+            <a:stCxn id="11" idx="1"/>
+            <a:endCxn id="4" idx="3"/>
+          </p:cNvCxnSpPr>
+          <p:nvPr/>
+        </p:nvCxnSpPr>
+        <p:spPr>
+          <a:xfrm flipH="1">
+            <a:off x="3215869" y="2315488"/>
+            <a:ext cx="811373" cy="0"/>
+          </a:xfrm>
+          <a:prstGeom prst="line">
+            <a:avLst/>
+          </a:prstGeom>
+          <a:effectLst/>
+        </p:spPr>
+        <p:style>
+          <a:lnRef idx="2">
+            <a:schemeClr val="dk1"/>
+          </a:lnRef>
+          <a:fillRef idx="0">
+            <a:schemeClr val="dk1"/>
+          </a:fillRef>
+          <a:effectRef idx="1">
+            <a:schemeClr val="dk1"/>
+          </a:effectRef>
+          <a:fontRef idx="minor">
+            <a:schemeClr val="tx1"/>
+          </a:fontRef>
+        </p:style>
+      </p:cxnSp>
+      <p:sp>
+        <p:nvSpPr>
+          <p:cNvPr id="21" name="Diamond 20">
+            <a:extLst>
+              <a:ext uri="{FF2B5EF4-FFF2-40B4-BE49-F238E27FC236}">
+                <a16:creationId xmlns:a16="http://schemas.microsoft.com/office/drawing/2014/main" id="{9B729385-F6DB-0B24-2991-92A8AFE90F89}"/>
+              </a:ext>
+            </a:extLst>
+          </p:cNvPr>
+          <p:cNvSpPr/>
+          <p:nvPr/>
+        </p:nvSpPr>
+        <p:spPr>
+          <a:xfrm>
+            <a:off x="2302674" y="3310316"/>
+            <a:ext cx="814590" cy="425685"/>
+          </a:xfrm>
+          <a:prstGeom prst="diamond">
+            <a:avLst/>
+          </a:prstGeom>
+          <a:effectLst/>
+        </p:spPr>
+        <p:style>
+          <a:lnRef idx="2">
+            <a:schemeClr val="dk1"/>
+          </a:lnRef>
+          <a:fillRef idx="1">
+            <a:schemeClr val="lt1"/>
+          </a:fillRef>
+          <a:effectRef idx="0">
+            <a:schemeClr val="dk1"/>
+          </a:effectRef>
+          <a:fontRef idx="minor">
+            <a:schemeClr val="dk1"/>
+          </a:fontRef>
+        </p:style>
+        <p:txBody>
+          <a:bodyPr wrap="none" rtlCol="0" anchor="ctr"/>
+          <a:lstStyle/>
+          <a:p>
+            <a:pPr algn="ctr"/>
+            <a:r>
+              <a:rPr lang="is-IS" sz="900" dirty="0"/>
+              <a:t>R2</a:t>
+            </a:r>
+          </a:p>
+        </p:txBody>
+      </p:sp>
+      <p:cxnSp>
+        <p:nvCxnSpPr>
+          <p:cNvPr id="22" name="Straight Connector 21">
+            <a:extLst>
+              <a:ext uri="{FF2B5EF4-FFF2-40B4-BE49-F238E27FC236}">
+                <a16:creationId xmlns:a16="http://schemas.microsoft.com/office/drawing/2014/main" id="{B3713CCF-B2DC-F6AF-933C-0B58E78DE78D}"/>
+              </a:ext>
+            </a:extLst>
+          </p:cNvPr>
+          <p:cNvCxnSpPr>
+            <a:cxnSpLocks/>
+            <a:stCxn id="21" idx="0"/>
+            <a:endCxn id="4" idx="2"/>
+          </p:cNvCxnSpPr>
+          <p:nvPr/>
+        </p:nvCxnSpPr>
+        <p:spPr>
+          <a:xfrm flipV="1">
+            <a:off x="2709969" y="2528330"/>
+            <a:ext cx="0" cy="781986"/>
+          </a:xfrm>
+          <a:prstGeom prst="line">
+            <a:avLst/>
+          </a:prstGeom>
+          <a:effectLst/>
+        </p:spPr>
+        <p:style>
+          <a:lnRef idx="2">
+            <a:schemeClr val="dk1"/>
+          </a:lnRef>
+          <a:fillRef idx="0">
+            <a:schemeClr val="dk1"/>
+          </a:fillRef>
+          <a:effectRef idx="1">
+            <a:schemeClr val="dk1"/>
+          </a:effectRef>
+          <a:fontRef idx="minor">
+            <a:schemeClr val="tx1"/>
+          </a:fontRef>
+        </p:style>
+      </p:cxnSp>
+      <p:sp>
+        <p:nvSpPr>
+          <p:cNvPr id="25" name="TextBox 24">
+            <a:extLst>
+              <a:ext uri="{FF2B5EF4-FFF2-40B4-BE49-F238E27FC236}">
+                <a16:creationId xmlns:a16="http://schemas.microsoft.com/office/drawing/2014/main" id="{D6A2D698-7A0A-410A-ABA3-DE8F9CC01126}"/>
+              </a:ext>
+            </a:extLst>
+          </p:cNvPr>
+          <p:cNvSpPr txBox="1"/>
+          <p:nvPr/>
+        </p:nvSpPr>
+        <p:spPr>
+          <a:xfrm>
+            <a:off x="1478397" y="2084018"/>
+            <a:ext cx="447558" cy="276999"/>
+          </a:xfrm>
+          <a:prstGeom prst="rect">
+            <a:avLst/>
+          </a:prstGeom>
+          <a:noFill/>
+        </p:spPr>
+        <p:txBody>
+          <a:bodyPr wrap="none" rtlCol="0">
+            <a:spAutoFit/>
+          </a:bodyPr>
+          <a:lstStyle/>
+          <a:p>
+            <a:r>
+              <a:rPr lang="en-GB" sz="1200" b="1" dirty="0"/>
+              <a:t>0..N</a:t>
+            </a:r>
+          </a:p>
+        </p:txBody>
+      </p:sp>
+      <p:cxnSp>
+        <p:nvCxnSpPr>
+          <p:cNvPr id="26" name="Straight Connector 25">
+            <a:extLst>
+              <a:ext uri="{FF2B5EF4-FFF2-40B4-BE49-F238E27FC236}">
+                <a16:creationId xmlns:a16="http://schemas.microsoft.com/office/drawing/2014/main" id="{B9F3347E-A36B-B572-73D9-AA5D56BBA069}"/>
+              </a:ext>
+            </a:extLst>
+          </p:cNvPr>
+          <p:cNvCxnSpPr>
+            <a:cxnSpLocks/>
+            <a:stCxn id="31" idx="0"/>
+            <a:endCxn id="21" idx="2"/>
+          </p:cNvCxnSpPr>
+          <p:nvPr/>
+        </p:nvCxnSpPr>
+        <p:spPr>
+          <a:xfrm flipV="1">
+            <a:off x="2708101" y="3736001"/>
+            <a:ext cx="1868" cy="594551"/>
+          </a:xfrm>
+          <a:prstGeom prst="line">
+            <a:avLst/>
+          </a:prstGeom>
+          <a:effectLst/>
+        </p:spPr>
+        <p:style>
+          <a:lnRef idx="2">
+            <a:schemeClr val="dk1"/>
+          </a:lnRef>
+          <a:fillRef idx="0">
+            <a:schemeClr val="dk1"/>
+          </a:fillRef>
+          <a:effectRef idx="1">
+            <a:schemeClr val="dk1"/>
+          </a:effectRef>
+          <a:fontRef idx="minor">
+            <a:schemeClr val="tx1"/>
+          </a:fontRef>
+        </p:style>
+      </p:cxnSp>
+      <p:sp>
+        <p:nvSpPr>
+          <p:cNvPr id="31" name="Rectangle 30">
+            <a:extLst>
+              <a:ext uri="{FF2B5EF4-FFF2-40B4-BE49-F238E27FC236}">
+                <a16:creationId xmlns:a16="http://schemas.microsoft.com/office/drawing/2014/main" id="{D549A554-EF52-364B-9D32-B5914EDC8198}"/>
+              </a:ext>
+            </a:extLst>
+          </p:cNvPr>
+          <p:cNvSpPr/>
+          <p:nvPr/>
+        </p:nvSpPr>
+        <p:spPr>
+          <a:xfrm>
+            <a:off x="2200333" y="4330552"/>
+            <a:ext cx="1015536" cy="346183"/>
+          </a:xfrm>
+          <a:prstGeom prst="rect">
+            <a:avLst/>
+          </a:prstGeom>
+          <a:effectLst/>
+        </p:spPr>
+        <p:style>
+          <a:lnRef idx="2">
+            <a:schemeClr val="dk1"/>
+          </a:lnRef>
+          <a:fillRef idx="1">
+            <a:schemeClr val="lt1"/>
+          </a:fillRef>
+          <a:effectRef idx="0">
+            <a:schemeClr val="dk1"/>
+          </a:effectRef>
+          <a:fontRef idx="minor">
+            <a:schemeClr val="dk1"/>
+          </a:fontRef>
+        </p:style>
+        <p:txBody>
+          <a:bodyPr wrap="none" rtlCol="0" anchor="ctr"/>
+          <a:lstStyle/>
+          <a:p>
+            <a:pPr algn="ctr"/>
+            <a:r>
+              <a:rPr lang="is-IS" sz="1200" dirty="0"/>
+              <a:t>Dummy</a:t>
+            </a:r>
+          </a:p>
+        </p:txBody>
+      </p:sp>
+      <p:sp>
+        <p:nvSpPr>
+          <p:cNvPr id="33" name="TextBox 32">
+            <a:extLst>
+              <a:ext uri="{FF2B5EF4-FFF2-40B4-BE49-F238E27FC236}">
+                <a16:creationId xmlns:a16="http://schemas.microsoft.com/office/drawing/2014/main" id="{130DF146-4666-9EED-8097-8EF883A78B6D}"/>
+              </a:ext>
+            </a:extLst>
+          </p:cNvPr>
+          <p:cNvSpPr txBox="1"/>
+          <p:nvPr/>
+        </p:nvSpPr>
+        <p:spPr>
+          <a:xfrm>
+            <a:off x="3570066" y="2084018"/>
+            <a:ext cx="466794" cy="276999"/>
+          </a:xfrm>
+          <a:prstGeom prst="rect">
+            <a:avLst/>
+          </a:prstGeom>
+          <a:noFill/>
+        </p:spPr>
+        <p:txBody>
+          <a:bodyPr wrap="none" rtlCol="0">
+            <a:spAutoFit/>
+          </a:bodyPr>
+          <a:lstStyle/>
+          <a:p>
+            <a:r>
+              <a:rPr lang="en-GB" sz="1200" b="1" dirty="0"/>
+              <a:t>1...1</a:t>
+            </a:r>
+          </a:p>
+        </p:txBody>
+      </p:sp>
+      <p:sp>
+        <p:nvSpPr>
+          <p:cNvPr id="36" name="Rectangle 35">
+            <a:extLst>
+              <a:ext uri="{FF2B5EF4-FFF2-40B4-BE49-F238E27FC236}">
+                <a16:creationId xmlns:a16="http://schemas.microsoft.com/office/drawing/2014/main" id="{822E319B-28FF-72E3-D54C-FCD9ECF8542E}"/>
+              </a:ext>
+            </a:extLst>
+          </p:cNvPr>
+          <p:cNvSpPr/>
+          <p:nvPr/>
+        </p:nvSpPr>
+        <p:spPr>
+          <a:xfrm>
+            <a:off x="5403379" y="393540"/>
+            <a:ext cx="6638395" cy="5708654"/>
+          </a:xfrm>
+          <a:prstGeom prst="rect">
+            <a:avLst/>
+          </a:prstGeom>
+        </p:spPr>
+        <p:style>
+          <a:lnRef idx="2">
+            <a:schemeClr val="accent1"/>
+          </a:lnRef>
+          <a:fillRef idx="1">
+            <a:schemeClr val="lt1"/>
+          </a:fillRef>
+          <a:effectRef idx="0">
+            <a:schemeClr val="accent1"/>
+          </a:effectRef>
+          <a:fontRef idx="minor">
+            <a:schemeClr val="dk1"/>
+          </a:fontRef>
+        </p:style>
+        <p:txBody>
+          <a:bodyPr rtlCol="0" anchor="ctr"/>
+          <a:lstStyle/>
+          <a:p>
+            <a:r>
+              <a:rPr lang="en-GB" dirty="0"/>
+              <a:t>CREATE TABLE E2 (</a:t>
+            </a:r>
+          </a:p>
+          <a:p>
+            <a:r>
+              <a:rPr lang="en-GB" dirty="0"/>
+              <a:t>	E2ID INT PRIMARY KEY</a:t>
+            </a:r>
+          </a:p>
+          <a:p>
+            <a:r>
+              <a:rPr lang="en-GB" dirty="0"/>
+              <a:t>);</a:t>
+            </a:r>
+          </a:p>
+          <a:p>
+            <a:endParaRPr lang="en-GB" dirty="0"/>
+          </a:p>
+          <a:p>
+            <a:r>
+              <a:rPr lang="en-GB" b="1" strike="sngStrike" dirty="0"/>
+              <a:t>CREATE TABLE R1(</a:t>
+            </a:r>
+            <a:r>
+              <a:rPr lang="en-GB" b="1" dirty="0"/>
+              <a:t> </a:t>
+            </a:r>
+          </a:p>
+          <a:p>
+            <a:endParaRPr lang="en-GB" dirty="0"/>
+          </a:p>
+          <a:p>
+            <a:r>
+              <a:rPr lang="en-GB" dirty="0"/>
+              <a:t>CREATE TABLE E1 ( </a:t>
+            </a:r>
+          </a:p>
+          <a:p>
+            <a:r>
+              <a:rPr lang="en-GB" dirty="0"/>
+              <a:t>	E1ID INT PRIMARY KEY,</a:t>
+            </a:r>
+          </a:p>
+          <a:p>
+            <a:r>
+              <a:rPr lang="en-GB" dirty="0"/>
+              <a:t>	</a:t>
+            </a:r>
+            <a:r>
+              <a:rPr lang="en-GB" b="1" dirty="0"/>
+              <a:t>E2ID INT NOT NULL REFERENCES E2(E2ID)</a:t>
+            </a:r>
+          </a:p>
+          <a:p>
+            <a:r>
+              <a:rPr lang="en-GB" dirty="0"/>
+              <a:t>);</a:t>
+            </a:r>
+          </a:p>
+          <a:p>
+            <a:endParaRPr lang="en-GB" dirty="0"/>
+          </a:p>
+          <a:p>
+            <a:r>
+              <a:rPr lang="en-GB" dirty="0"/>
+              <a:t>CREATE TABLE Dummy ( </a:t>
+            </a:r>
+          </a:p>
+          <a:p>
+            <a:r>
+              <a:rPr lang="en-GB" dirty="0"/>
+              <a:t>	</a:t>
+            </a:r>
+            <a:r>
+              <a:rPr lang="en-GB" dirty="0" err="1"/>
+              <a:t>DummyID</a:t>
+            </a:r>
+            <a:r>
+              <a:rPr lang="en-GB" dirty="0"/>
+              <a:t> INT PRIMARY KEY,</a:t>
+            </a:r>
+          </a:p>
+          <a:p>
+            <a:r>
+              <a:rPr lang="en-GB" dirty="0"/>
+              <a:t>);</a:t>
+            </a:r>
+          </a:p>
+          <a:p>
+            <a:endParaRPr lang="en-GB" dirty="0"/>
+          </a:p>
+          <a:p>
+            <a:r>
+              <a:rPr lang="en-GB" dirty="0"/>
+              <a:t>CREATE TABLE R2 ( </a:t>
+            </a:r>
+          </a:p>
+          <a:p>
+            <a:r>
+              <a:rPr lang="en-GB" dirty="0"/>
+              <a:t>	</a:t>
+            </a:r>
+            <a:r>
+              <a:rPr lang="en-GB" dirty="0" err="1"/>
+              <a:t>DummyID</a:t>
+            </a:r>
+            <a:r>
+              <a:rPr lang="en-GB" dirty="0"/>
+              <a:t> INT REFERENCES E1 ,</a:t>
+            </a:r>
+          </a:p>
+          <a:p>
+            <a:r>
+              <a:rPr lang="en-GB" dirty="0"/>
+              <a:t>	</a:t>
+            </a:r>
+            <a:r>
+              <a:rPr lang="en-GB" b="1" dirty="0"/>
+              <a:t>E1ID INT REFERENCES E1(E1ID),</a:t>
+            </a:r>
+          </a:p>
+          <a:p>
+            <a:r>
+              <a:rPr lang="en-GB" dirty="0"/>
+              <a:t>	PRIMARY KEY (</a:t>
+            </a:r>
+            <a:r>
+              <a:rPr lang="en-GB" dirty="0" err="1"/>
+              <a:t>DummyID</a:t>
+            </a:r>
+            <a:r>
+              <a:rPr lang="en-GB" dirty="0"/>
+              <a:t>, E1ID)</a:t>
+            </a:r>
+          </a:p>
+          <a:p>
+            <a:r>
+              <a:rPr lang="en-GB" dirty="0"/>
+              <a:t>);</a:t>
+            </a:r>
+          </a:p>
+        </p:txBody>
+      </p:sp>
+      <p:cxnSp>
+        <p:nvCxnSpPr>
+          <p:cNvPr id="37" name="Straight Connector 36">
+            <a:extLst>
+              <a:ext uri="{FF2B5EF4-FFF2-40B4-BE49-F238E27FC236}">
+                <a16:creationId xmlns:a16="http://schemas.microsoft.com/office/drawing/2014/main" id="{473E89AC-E311-F26D-1EEF-0C6FD65D06C0}"/>
+              </a:ext>
+            </a:extLst>
+          </p:cNvPr>
+          <p:cNvCxnSpPr>
+            <a:cxnSpLocks/>
+            <a:stCxn id="40" idx="4"/>
+            <a:endCxn id="5" idx="0"/>
+          </p:cNvCxnSpPr>
+          <p:nvPr/>
+        </p:nvCxnSpPr>
+        <p:spPr>
+          <a:xfrm>
+            <a:off x="993583" y="1993833"/>
+            <a:ext cx="0" cy="148562"/>
+          </a:xfrm>
+          <a:prstGeom prst="line">
+            <a:avLst/>
+          </a:prstGeom>
+          <a:effectLst/>
+        </p:spPr>
+        <p:style>
+          <a:lnRef idx="2">
+            <a:schemeClr val="dk1"/>
+          </a:lnRef>
+          <a:fillRef idx="0">
+            <a:schemeClr val="dk1"/>
+          </a:fillRef>
+          <a:effectRef idx="1">
+            <a:schemeClr val="dk1"/>
+          </a:effectRef>
+          <a:fontRef idx="minor">
+            <a:schemeClr val="tx1"/>
+          </a:fontRef>
+        </p:style>
+      </p:cxnSp>
+      <p:sp>
+        <p:nvSpPr>
+          <p:cNvPr id="40" name="Oval 39">
+            <a:extLst>
+              <a:ext uri="{FF2B5EF4-FFF2-40B4-BE49-F238E27FC236}">
+                <a16:creationId xmlns:a16="http://schemas.microsoft.com/office/drawing/2014/main" id="{96DC5513-C6DC-8D1D-0E8D-E86FF58F7939}"/>
+              </a:ext>
+            </a:extLst>
+          </p:cNvPr>
+          <p:cNvSpPr/>
+          <p:nvPr/>
+        </p:nvSpPr>
+        <p:spPr>
+          <a:xfrm>
+            <a:off x="625078" y="1755086"/>
+            <a:ext cx="737010" cy="238747"/>
+          </a:xfrm>
+          <a:prstGeom prst="ellipse">
+            <a:avLst/>
+          </a:prstGeom>
+          <a:effectLst/>
+        </p:spPr>
+        <p:style>
+          <a:lnRef idx="2">
+            <a:schemeClr val="dk1"/>
+          </a:lnRef>
+          <a:fillRef idx="1">
+            <a:schemeClr val="lt1"/>
+          </a:fillRef>
+          <a:effectRef idx="0">
+            <a:schemeClr val="dk1"/>
+          </a:effectRef>
+          <a:fontRef idx="minor">
+            <a:schemeClr val="dk1"/>
+          </a:fontRef>
+        </p:style>
+        <p:txBody>
+          <a:bodyPr wrap="none" rtlCol="0" anchor="ctr"/>
+          <a:lstStyle/>
+          <a:p>
+            <a:pPr algn="ctr"/>
+            <a:r>
+              <a:rPr lang="is-IS" sz="900" u="sng" dirty="0"/>
+              <a:t>E1ID</a:t>
+            </a:r>
+          </a:p>
+        </p:txBody>
+      </p:sp>
+      <p:cxnSp>
+        <p:nvCxnSpPr>
+          <p:cNvPr id="43" name="Straight Connector 42">
+            <a:extLst>
+              <a:ext uri="{FF2B5EF4-FFF2-40B4-BE49-F238E27FC236}">
+                <a16:creationId xmlns:a16="http://schemas.microsoft.com/office/drawing/2014/main" id="{DE2C7D30-765E-6962-2BC1-1C36E767CA55}"/>
+              </a:ext>
+            </a:extLst>
+          </p:cNvPr>
+          <p:cNvCxnSpPr>
+            <a:cxnSpLocks/>
+            <a:stCxn id="44" idx="4"/>
+            <a:endCxn id="11" idx="0"/>
+          </p:cNvCxnSpPr>
+          <p:nvPr/>
+        </p:nvCxnSpPr>
+        <p:spPr>
+          <a:xfrm>
+            <a:off x="4535010" y="1993832"/>
+            <a:ext cx="0" cy="148564"/>
+          </a:xfrm>
+          <a:prstGeom prst="line">
+            <a:avLst/>
+          </a:prstGeom>
+          <a:effectLst/>
+        </p:spPr>
+        <p:style>
+          <a:lnRef idx="2">
+            <a:schemeClr val="dk1"/>
+          </a:lnRef>
+          <a:fillRef idx="0">
+            <a:schemeClr val="dk1"/>
+          </a:fillRef>
+          <a:effectRef idx="1">
+            <a:schemeClr val="dk1"/>
+          </a:effectRef>
+          <a:fontRef idx="minor">
+            <a:schemeClr val="tx1"/>
+          </a:fontRef>
+        </p:style>
+      </p:cxnSp>
+      <p:sp>
+        <p:nvSpPr>
+          <p:cNvPr id="44" name="Oval 43">
+            <a:extLst>
+              <a:ext uri="{FF2B5EF4-FFF2-40B4-BE49-F238E27FC236}">
+                <a16:creationId xmlns:a16="http://schemas.microsoft.com/office/drawing/2014/main" id="{527E563F-6AED-1849-DAF9-3B06749D9CC2}"/>
+              </a:ext>
+            </a:extLst>
+          </p:cNvPr>
+          <p:cNvSpPr/>
+          <p:nvPr/>
+        </p:nvSpPr>
+        <p:spPr>
+          <a:xfrm>
+            <a:off x="4166505" y="1755085"/>
+            <a:ext cx="737010" cy="238747"/>
+          </a:xfrm>
+          <a:prstGeom prst="ellipse">
+            <a:avLst/>
+          </a:prstGeom>
+          <a:effectLst/>
+        </p:spPr>
+        <p:style>
+          <a:lnRef idx="2">
+            <a:schemeClr val="dk1"/>
+          </a:lnRef>
+          <a:fillRef idx="1">
+            <a:schemeClr val="lt1"/>
+          </a:fillRef>
+          <a:effectRef idx="0">
+            <a:schemeClr val="dk1"/>
+          </a:effectRef>
+          <a:fontRef idx="minor">
+            <a:schemeClr val="dk1"/>
+          </a:fontRef>
+        </p:style>
+        <p:txBody>
+          <a:bodyPr wrap="none" rtlCol="0" anchor="ctr"/>
+          <a:lstStyle/>
+          <a:p>
+            <a:pPr algn="ctr"/>
+            <a:r>
+              <a:rPr lang="is-IS" sz="900" u="sng" dirty="0"/>
+              <a:t>E2ID</a:t>
+            </a:r>
+          </a:p>
+        </p:txBody>
+      </p:sp>
+      <p:sp>
+        <p:nvSpPr>
+          <p:cNvPr id="48" name="Oval 47">
+            <a:extLst>
+              <a:ext uri="{FF2B5EF4-FFF2-40B4-BE49-F238E27FC236}">
+                <a16:creationId xmlns:a16="http://schemas.microsoft.com/office/drawing/2014/main" id="{2EC6EF08-F28C-2C22-F12E-BDE3A5FCA51D}"/>
+              </a:ext>
+            </a:extLst>
+          </p:cNvPr>
+          <p:cNvSpPr/>
+          <p:nvPr/>
+        </p:nvSpPr>
+        <p:spPr>
+          <a:xfrm>
+            <a:off x="3798654" y="4384269"/>
+            <a:ext cx="737010" cy="238747"/>
+          </a:xfrm>
+          <a:prstGeom prst="ellipse">
+            <a:avLst/>
+          </a:prstGeom>
+          <a:effectLst/>
+        </p:spPr>
+        <p:style>
+          <a:lnRef idx="2">
+            <a:schemeClr val="dk1"/>
+          </a:lnRef>
+          <a:fillRef idx="1">
+            <a:schemeClr val="lt1"/>
+          </a:fillRef>
+          <a:effectRef idx="0">
+            <a:schemeClr val="dk1"/>
+          </a:effectRef>
+          <a:fontRef idx="minor">
+            <a:schemeClr val="dk1"/>
+          </a:fontRef>
+        </p:style>
+        <p:txBody>
+          <a:bodyPr wrap="none" rtlCol="0" anchor="ctr"/>
+          <a:lstStyle/>
+          <a:p>
+            <a:pPr algn="ctr"/>
+            <a:r>
+              <a:rPr lang="is-IS" sz="900" u="sng" dirty="0"/>
+              <a:t>DummyID</a:t>
+            </a:r>
+          </a:p>
+        </p:txBody>
+      </p:sp>
+      <p:cxnSp>
+        <p:nvCxnSpPr>
+          <p:cNvPr id="49" name="Straight Connector 48">
+            <a:extLst>
+              <a:ext uri="{FF2B5EF4-FFF2-40B4-BE49-F238E27FC236}">
+                <a16:creationId xmlns:a16="http://schemas.microsoft.com/office/drawing/2014/main" id="{1D1587FF-3B10-EBA1-615D-15F5AED6D6F1}"/>
+              </a:ext>
+            </a:extLst>
+          </p:cNvPr>
+          <p:cNvCxnSpPr>
+            <a:cxnSpLocks/>
+            <a:stCxn id="48" idx="2"/>
+            <a:endCxn id="31" idx="3"/>
+          </p:cNvCxnSpPr>
+          <p:nvPr/>
+        </p:nvCxnSpPr>
+        <p:spPr>
+          <a:xfrm flipH="1">
+            <a:off x="3215869" y="4503643"/>
+            <a:ext cx="582785" cy="1"/>
+          </a:xfrm>
+          <a:prstGeom prst="line">
+            <a:avLst/>
+          </a:prstGeom>
+          <a:effectLst/>
+        </p:spPr>
+        <p:style>
+          <a:lnRef idx="2">
+            <a:schemeClr val="dk1"/>
+          </a:lnRef>
+          <a:fillRef idx="0">
+            <a:schemeClr val="dk1"/>
+          </a:fillRef>
+          <a:effectRef idx="1">
+            <a:schemeClr val="dk1"/>
+          </a:effectRef>
+          <a:fontRef idx="minor">
+            <a:schemeClr val="tx1"/>
+          </a:fontRef>
+        </p:style>
+      </p:cxnSp>
+    </p:spTree>
+    <p:extLst>
+      <p:ext uri="{BB962C8B-B14F-4D97-AF65-F5344CB8AC3E}">
+        <p14:creationId xmlns:p14="http://schemas.microsoft.com/office/powerpoint/2010/main" val="4085774199"/>
+      </p:ext>
+    </p:extLst>
+  </p:cSld>
+  <p:clrMapOvr>
+    <a:masterClrMapping/>
+  </p:clrMapOvr>
+</p:sld>
+</file>
+
+<file path=ppt/slides/slide22.xml><?xml version="1.0" encoding="utf-8"?>
+<p:sld xmlns:a="http://schemas.openxmlformats.org/drawingml/2006/main" xmlns:r="http://schemas.openxmlformats.org/officeDocument/2006/relationships" xmlns:p="http://schemas.openxmlformats.org/presentationml/2006/main">
+  <p:cSld>
+    <p:spTree>
+      <p:nvGrpSpPr>
+        <p:cNvPr id="1" name=""/>
+        <p:cNvGrpSpPr/>
+        <p:nvPr/>
+      </p:nvGrpSpPr>
+      <p:grpSpPr>
+        <a:xfrm>
+          <a:off x="0" y="0"/>
+          <a:ext cx="0" cy="0"/>
+          <a:chOff x="0" y="0"/>
+          <a:chExt cx="0" cy="0"/>
+        </a:xfrm>
+      </p:grpSpPr>
+      <p:sp>
+        <p:nvSpPr>
+          <p:cNvPr id="5" name="Rectangle 4">
+            <a:extLst>
+              <a:ext uri="{FF2B5EF4-FFF2-40B4-BE49-F238E27FC236}">
+                <a16:creationId xmlns:a16="http://schemas.microsoft.com/office/drawing/2014/main" id="{C77FD3DE-6978-99D7-C5A8-54F79C27CEDA}"/>
+              </a:ext>
+            </a:extLst>
+          </p:cNvPr>
+          <p:cNvSpPr/>
+          <p:nvPr/>
+        </p:nvSpPr>
+        <p:spPr>
+          <a:xfrm>
+            <a:off x="485815" y="2142395"/>
+            <a:ext cx="1015536" cy="346183"/>
+          </a:xfrm>
+          <a:prstGeom prst="rect">
+            <a:avLst/>
+          </a:prstGeom>
+          <a:effectLst/>
+        </p:spPr>
+        <p:style>
+          <a:lnRef idx="2">
+            <a:schemeClr val="dk1"/>
+          </a:lnRef>
+          <a:fillRef idx="1">
+            <a:schemeClr val="lt1"/>
+          </a:fillRef>
+          <a:effectRef idx="0">
+            <a:schemeClr val="dk1"/>
+          </a:effectRef>
+          <a:fontRef idx="minor">
+            <a:schemeClr val="dk1"/>
+          </a:fontRef>
+        </p:style>
+        <p:txBody>
+          <a:bodyPr wrap="none" rtlCol="0" anchor="ctr"/>
+          <a:lstStyle/>
+          <a:p>
+            <a:pPr algn="ctr"/>
+            <a:r>
+              <a:rPr lang="is-IS" sz="1200" dirty="0"/>
+              <a:t>E5</a:t>
+            </a:r>
+          </a:p>
+        </p:txBody>
+      </p:sp>
+      <p:sp>
+        <p:nvSpPr>
+          <p:cNvPr id="11" name="Rectangle 10">
+            <a:extLst>
+              <a:ext uri="{FF2B5EF4-FFF2-40B4-BE49-F238E27FC236}">
+                <a16:creationId xmlns:a16="http://schemas.microsoft.com/office/drawing/2014/main" id="{B59679A3-2FEE-FEC3-40B7-F50FCAC5736F}"/>
+              </a:ext>
+            </a:extLst>
+          </p:cNvPr>
+          <p:cNvSpPr/>
+          <p:nvPr/>
+        </p:nvSpPr>
+        <p:spPr>
+          <a:xfrm>
+            <a:off x="4027242" y="2142396"/>
+            <a:ext cx="1015536" cy="346183"/>
+          </a:xfrm>
+          <a:prstGeom prst="rect">
+            <a:avLst/>
+          </a:prstGeom>
+          <a:effectLst/>
+        </p:spPr>
+        <p:style>
+          <a:lnRef idx="2">
+            <a:schemeClr val="dk1"/>
+          </a:lnRef>
+          <a:fillRef idx="1">
+            <a:schemeClr val="lt1"/>
+          </a:fillRef>
+          <a:effectRef idx="0">
+            <a:schemeClr val="dk1"/>
+          </a:effectRef>
+          <a:fontRef idx="minor">
+            <a:schemeClr val="dk1"/>
+          </a:fontRef>
+        </p:style>
+        <p:txBody>
+          <a:bodyPr wrap="none" rtlCol="0" anchor="ctr"/>
+          <a:lstStyle/>
+          <a:p>
+            <a:pPr algn="ctr"/>
+            <a:r>
+              <a:rPr lang="is-IS" sz="1200" dirty="0"/>
+              <a:t>E4</a:t>
+            </a:r>
+          </a:p>
+        </p:txBody>
+      </p:sp>
+      <p:grpSp>
+        <p:nvGrpSpPr>
+          <p:cNvPr id="17" name="Group 16">
+            <a:extLst>
+              <a:ext uri="{FF2B5EF4-FFF2-40B4-BE49-F238E27FC236}">
+                <a16:creationId xmlns:a16="http://schemas.microsoft.com/office/drawing/2014/main" id="{AD4B306F-6A36-B018-EA57-DABAB0D20E78}"/>
+              </a:ext>
+            </a:extLst>
+          </p:cNvPr>
+          <p:cNvGrpSpPr/>
+          <p:nvPr/>
+        </p:nvGrpSpPr>
+        <p:grpSpPr>
+          <a:xfrm>
+            <a:off x="2111394" y="2018372"/>
+            <a:ext cx="1204330" cy="591011"/>
+            <a:chOff x="2921621" y="2018372"/>
+            <a:chExt cx="1204330" cy="591011"/>
+          </a:xfrm>
+        </p:grpSpPr>
+        <p:sp>
+          <p:nvSpPr>
+            <p:cNvPr id="16" name="Rectangle 15">
+              <a:extLst>
+                <a:ext uri="{FF2B5EF4-FFF2-40B4-BE49-F238E27FC236}">
+                  <a16:creationId xmlns:a16="http://schemas.microsoft.com/office/drawing/2014/main" id="{32A02827-D6B6-0B2F-D7E8-10805B3BBA1F}"/>
+                </a:ext>
+              </a:extLst>
+            </p:cNvPr>
+            <p:cNvSpPr/>
+            <p:nvPr/>
+          </p:nvSpPr>
+          <p:spPr>
+            <a:xfrm>
+              <a:off x="2921621" y="2018372"/>
+              <a:ext cx="1204330" cy="591011"/>
+            </a:xfrm>
+            <a:prstGeom prst="rect">
+              <a:avLst/>
+            </a:prstGeom>
+            <a:effectLst/>
+          </p:spPr>
+          <p:style>
+            <a:lnRef idx="2">
+              <a:schemeClr val="dk1"/>
+            </a:lnRef>
+            <a:fillRef idx="1">
+              <a:schemeClr val="lt1"/>
+            </a:fillRef>
+            <a:effectRef idx="0">
+              <a:schemeClr val="dk1"/>
+            </a:effectRef>
+            <a:fontRef idx="minor">
+              <a:schemeClr val="dk1"/>
+            </a:fontRef>
+          </p:style>
+          <p:txBody>
+            <a:bodyPr wrap="none" rtlCol="0" anchor="ctr"/>
+            <a:lstStyle/>
+            <a:p>
+              <a:pPr algn="ctr"/>
+              <a:endParaRPr lang="is-IS" sz="1200" dirty="0"/>
+            </a:p>
+          </p:txBody>
+        </p:sp>
+        <p:sp>
+          <p:nvSpPr>
+            <p:cNvPr id="4" name="Diamond 3">
+              <a:extLst>
+                <a:ext uri="{FF2B5EF4-FFF2-40B4-BE49-F238E27FC236}">
+                  <a16:creationId xmlns:a16="http://schemas.microsoft.com/office/drawing/2014/main" id="{DD79A121-BF27-61BF-BCD1-C0C49BA04C87}"/>
+                </a:ext>
+              </a:extLst>
+            </p:cNvPr>
+            <p:cNvSpPr/>
+            <p:nvPr/>
+          </p:nvSpPr>
+          <p:spPr>
+            <a:xfrm>
+              <a:off x="3014296" y="2102645"/>
+              <a:ext cx="1011800" cy="425685"/>
+            </a:xfrm>
+            <a:prstGeom prst="diamond">
+              <a:avLst/>
+            </a:prstGeom>
+            <a:effectLst/>
+          </p:spPr>
+          <p:style>
+            <a:lnRef idx="2">
+              <a:schemeClr val="dk1"/>
+            </a:lnRef>
+            <a:fillRef idx="1">
+              <a:schemeClr val="lt1"/>
+            </a:fillRef>
+            <a:effectRef idx="0">
+              <a:schemeClr val="dk1"/>
+            </a:effectRef>
+            <a:fontRef idx="minor">
+              <a:schemeClr val="dk1"/>
+            </a:fontRef>
+          </p:style>
+          <p:txBody>
+            <a:bodyPr wrap="none" rtlCol="0" anchor="ctr"/>
+            <a:lstStyle/>
+            <a:p>
+              <a:pPr algn="ctr"/>
+              <a:r>
+                <a:rPr lang="is-IS" sz="900" dirty="0"/>
+                <a:t>R3</a:t>
+              </a:r>
+            </a:p>
+          </p:txBody>
+        </p:sp>
+      </p:grpSp>
+      <p:cxnSp>
+        <p:nvCxnSpPr>
+          <p:cNvPr id="6" name="Straight Connector 5">
+            <a:extLst>
+              <a:ext uri="{FF2B5EF4-FFF2-40B4-BE49-F238E27FC236}">
+                <a16:creationId xmlns:a16="http://schemas.microsoft.com/office/drawing/2014/main" id="{ACD68CC8-EED9-FBDA-FA96-61E975464B75}"/>
+              </a:ext>
+            </a:extLst>
+          </p:cNvPr>
+          <p:cNvCxnSpPr>
+            <a:cxnSpLocks/>
+            <a:stCxn id="4" idx="1"/>
+            <a:endCxn id="5" idx="3"/>
+          </p:cNvCxnSpPr>
+          <p:nvPr/>
+        </p:nvCxnSpPr>
+        <p:spPr>
+          <a:xfrm flipH="1" flipV="1">
+            <a:off x="1501351" y="2315487"/>
+            <a:ext cx="702718" cy="1"/>
+          </a:xfrm>
+          <a:prstGeom prst="line">
+            <a:avLst/>
+          </a:prstGeom>
+          <a:effectLst/>
+        </p:spPr>
+        <p:style>
+          <a:lnRef idx="2">
+            <a:schemeClr val="dk1"/>
+          </a:lnRef>
+          <a:fillRef idx="0">
+            <a:schemeClr val="dk1"/>
+          </a:fillRef>
+          <a:effectRef idx="1">
+            <a:schemeClr val="dk1"/>
+          </a:effectRef>
+          <a:fontRef idx="minor">
+            <a:schemeClr val="tx1"/>
+          </a:fontRef>
+        </p:style>
+      </p:cxnSp>
+      <p:cxnSp>
+        <p:nvCxnSpPr>
+          <p:cNvPr id="12" name="Straight Connector 11">
+            <a:extLst>
+              <a:ext uri="{FF2B5EF4-FFF2-40B4-BE49-F238E27FC236}">
+                <a16:creationId xmlns:a16="http://schemas.microsoft.com/office/drawing/2014/main" id="{F04F5348-B2D1-0285-6218-331F1E46AD30}"/>
+              </a:ext>
+            </a:extLst>
+          </p:cNvPr>
+          <p:cNvCxnSpPr>
+            <a:cxnSpLocks/>
+            <a:stCxn id="11" idx="1"/>
+            <a:endCxn id="4" idx="3"/>
+          </p:cNvCxnSpPr>
+          <p:nvPr/>
+        </p:nvCxnSpPr>
+        <p:spPr>
+          <a:xfrm flipH="1">
+            <a:off x="3215869" y="2315488"/>
+            <a:ext cx="811373" cy="0"/>
+          </a:xfrm>
+          <a:prstGeom prst="line">
+            <a:avLst/>
+          </a:prstGeom>
+          <a:effectLst/>
+        </p:spPr>
+        <p:style>
+          <a:lnRef idx="2">
+            <a:schemeClr val="dk1"/>
+          </a:lnRef>
+          <a:fillRef idx="0">
+            <a:schemeClr val="dk1"/>
+          </a:fillRef>
+          <a:effectRef idx="1">
+            <a:schemeClr val="dk1"/>
+          </a:effectRef>
+          <a:fontRef idx="minor">
+            <a:schemeClr val="tx1"/>
+          </a:fontRef>
+        </p:style>
+      </p:cxnSp>
+      <p:sp>
+        <p:nvSpPr>
+          <p:cNvPr id="21" name="Diamond 20">
+            <a:extLst>
+              <a:ext uri="{FF2B5EF4-FFF2-40B4-BE49-F238E27FC236}">
+                <a16:creationId xmlns:a16="http://schemas.microsoft.com/office/drawing/2014/main" id="{9B729385-F6DB-0B24-2991-92A8AFE90F89}"/>
+              </a:ext>
+            </a:extLst>
+          </p:cNvPr>
+          <p:cNvSpPr/>
+          <p:nvPr/>
+        </p:nvSpPr>
+        <p:spPr>
+          <a:xfrm>
+            <a:off x="2302674" y="3310316"/>
+            <a:ext cx="814590" cy="425685"/>
+          </a:xfrm>
+          <a:prstGeom prst="diamond">
+            <a:avLst/>
+          </a:prstGeom>
+          <a:effectLst/>
+        </p:spPr>
+        <p:style>
+          <a:lnRef idx="2">
+            <a:schemeClr val="dk1"/>
+          </a:lnRef>
+          <a:fillRef idx="1">
+            <a:schemeClr val="lt1"/>
+          </a:fillRef>
+          <a:effectRef idx="0">
+            <a:schemeClr val="dk1"/>
+          </a:effectRef>
+          <a:fontRef idx="minor">
+            <a:schemeClr val="dk1"/>
+          </a:fontRef>
+        </p:style>
+        <p:txBody>
+          <a:bodyPr wrap="none" rtlCol="0" anchor="ctr"/>
+          <a:lstStyle/>
+          <a:p>
+            <a:pPr algn="ctr"/>
+            <a:r>
+              <a:rPr lang="is-IS" sz="900" dirty="0"/>
+              <a:t>R2</a:t>
+            </a:r>
+          </a:p>
+        </p:txBody>
+      </p:sp>
+      <p:cxnSp>
+        <p:nvCxnSpPr>
+          <p:cNvPr id="22" name="Straight Connector 21">
+            <a:extLst>
+              <a:ext uri="{FF2B5EF4-FFF2-40B4-BE49-F238E27FC236}">
+                <a16:creationId xmlns:a16="http://schemas.microsoft.com/office/drawing/2014/main" id="{B3713CCF-B2DC-F6AF-933C-0B58E78DE78D}"/>
+              </a:ext>
+            </a:extLst>
+          </p:cNvPr>
+          <p:cNvCxnSpPr>
+            <a:cxnSpLocks/>
+            <a:stCxn id="21" idx="0"/>
+            <a:endCxn id="4" idx="2"/>
+          </p:cNvCxnSpPr>
+          <p:nvPr/>
+        </p:nvCxnSpPr>
+        <p:spPr>
+          <a:xfrm flipV="1">
+            <a:off x="2709969" y="2528330"/>
+            <a:ext cx="0" cy="781986"/>
+          </a:xfrm>
+          <a:prstGeom prst="line">
+            <a:avLst/>
+          </a:prstGeom>
+          <a:effectLst/>
+        </p:spPr>
+        <p:style>
+          <a:lnRef idx="2">
+            <a:schemeClr val="dk1"/>
+          </a:lnRef>
+          <a:fillRef idx="0">
+            <a:schemeClr val="dk1"/>
+          </a:fillRef>
+          <a:effectRef idx="1">
+            <a:schemeClr val="dk1"/>
+          </a:effectRef>
+          <a:fontRef idx="minor">
+            <a:schemeClr val="tx1"/>
+          </a:fontRef>
+        </p:style>
+      </p:cxnSp>
+      <p:sp>
+        <p:nvSpPr>
+          <p:cNvPr id="25" name="TextBox 24">
+            <a:extLst>
+              <a:ext uri="{FF2B5EF4-FFF2-40B4-BE49-F238E27FC236}">
+                <a16:creationId xmlns:a16="http://schemas.microsoft.com/office/drawing/2014/main" id="{D6A2D698-7A0A-410A-ABA3-DE8F9CC01126}"/>
+              </a:ext>
+            </a:extLst>
+          </p:cNvPr>
+          <p:cNvSpPr txBox="1"/>
+          <p:nvPr/>
+        </p:nvSpPr>
+        <p:spPr>
+          <a:xfrm>
+            <a:off x="1478397" y="2084018"/>
+            <a:ext cx="425116" cy="276999"/>
+          </a:xfrm>
+          <a:prstGeom prst="rect">
+            <a:avLst/>
+          </a:prstGeom>
+          <a:noFill/>
+        </p:spPr>
+        <p:txBody>
+          <a:bodyPr wrap="none" rtlCol="0">
+            <a:spAutoFit/>
+          </a:bodyPr>
+          <a:lstStyle/>
+          <a:p>
+            <a:r>
+              <a:rPr lang="en-GB" sz="1200" b="1" dirty="0"/>
+              <a:t>0..1</a:t>
+            </a:r>
+          </a:p>
+        </p:txBody>
+      </p:sp>
+      <p:cxnSp>
+        <p:nvCxnSpPr>
+          <p:cNvPr id="26" name="Straight Connector 25">
+            <a:extLst>
+              <a:ext uri="{FF2B5EF4-FFF2-40B4-BE49-F238E27FC236}">
+                <a16:creationId xmlns:a16="http://schemas.microsoft.com/office/drawing/2014/main" id="{B9F3347E-A36B-B572-73D9-AA5D56BBA069}"/>
+              </a:ext>
+            </a:extLst>
+          </p:cNvPr>
+          <p:cNvCxnSpPr>
+            <a:cxnSpLocks/>
+            <a:stCxn id="31" idx="0"/>
+            <a:endCxn id="21" idx="2"/>
+          </p:cNvCxnSpPr>
+          <p:nvPr/>
+        </p:nvCxnSpPr>
+        <p:spPr>
+          <a:xfrm flipV="1">
+            <a:off x="2708101" y="3736001"/>
+            <a:ext cx="1868" cy="594551"/>
+          </a:xfrm>
+          <a:prstGeom prst="line">
+            <a:avLst/>
+          </a:prstGeom>
+          <a:effectLst/>
+        </p:spPr>
+        <p:style>
+          <a:lnRef idx="2">
+            <a:schemeClr val="dk1"/>
+          </a:lnRef>
+          <a:fillRef idx="0">
+            <a:schemeClr val="dk1"/>
+          </a:fillRef>
+          <a:effectRef idx="1">
+            <a:schemeClr val="dk1"/>
+          </a:effectRef>
+          <a:fontRef idx="minor">
+            <a:schemeClr val="tx1"/>
+          </a:fontRef>
+        </p:style>
+      </p:cxnSp>
+      <p:sp>
+        <p:nvSpPr>
+          <p:cNvPr id="31" name="Rectangle 30">
+            <a:extLst>
+              <a:ext uri="{FF2B5EF4-FFF2-40B4-BE49-F238E27FC236}">
+                <a16:creationId xmlns:a16="http://schemas.microsoft.com/office/drawing/2014/main" id="{D549A554-EF52-364B-9D32-B5914EDC8198}"/>
+              </a:ext>
+            </a:extLst>
+          </p:cNvPr>
+          <p:cNvSpPr/>
+          <p:nvPr/>
+        </p:nvSpPr>
+        <p:spPr>
+          <a:xfrm>
+            <a:off x="2200333" y="4330552"/>
+            <a:ext cx="1015536" cy="346183"/>
+          </a:xfrm>
+          <a:prstGeom prst="rect">
+            <a:avLst/>
+          </a:prstGeom>
+          <a:effectLst/>
+        </p:spPr>
+        <p:style>
+          <a:lnRef idx="2">
+            <a:schemeClr val="dk1"/>
+          </a:lnRef>
+          <a:fillRef idx="1">
+            <a:schemeClr val="lt1"/>
+          </a:fillRef>
+          <a:effectRef idx="0">
+            <a:schemeClr val="dk1"/>
+          </a:effectRef>
+          <a:fontRef idx="minor">
+            <a:schemeClr val="dk1"/>
+          </a:fontRef>
+        </p:style>
+        <p:txBody>
+          <a:bodyPr wrap="none" rtlCol="0" anchor="ctr"/>
+          <a:lstStyle/>
+          <a:p>
+            <a:pPr algn="ctr"/>
+            <a:r>
+              <a:rPr lang="is-IS" sz="1200" dirty="0"/>
+              <a:t>...</a:t>
+            </a:r>
+          </a:p>
+        </p:txBody>
+      </p:sp>
+      <p:sp>
+        <p:nvSpPr>
+          <p:cNvPr id="33" name="TextBox 32">
+            <a:extLst>
+              <a:ext uri="{FF2B5EF4-FFF2-40B4-BE49-F238E27FC236}">
+                <a16:creationId xmlns:a16="http://schemas.microsoft.com/office/drawing/2014/main" id="{130DF146-4666-9EED-8097-8EF883A78B6D}"/>
+              </a:ext>
+            </a:extLst>
+          </p:cNvPr>
+          <p:cNvSpPr txBox="1"/>
+          <p:nvPr/>
+        </p:nvSpPr>
+        <p:spPr>
+          <a:xfrm>
+            <a:off x="3570066" y="2084018"/>
+            <a:ext cx="489236" cy="276999"/>
+          </a:xfrm>
+          <a:prstGeom prst="rect">
+            <a:avLst/>
+          </a:prstGeom>
+          <a:noFill/>
+        </p:spPr>
+        <p:txBody>
+          <a:bodyPr wrap="none" rtlCol="0">
+            <a:spAutoFit/>
+          </a:bodyPr>
+          <a:lstStyle/>
+          <a:p>
+            <a:r>
+              <a:rPr lang="en-GB" sz="1200" b="1" dirty="0"/>
+              <a:t>0...N</a:t>
+            </a:r>
+          </a:p>
+        </p:txBody>
+      </p:sp>
+      <p:sp>
+        <p:nvSpPr>
+          <p:cNvPr id="36" name="Rectangle 35">
+            <a:extLst>
+              <a:ext uri="{FF2B5EF4-FFF2-40B4-BE49-F238E27FC236}">
+                <a16:creationId xmlns:a16="http://schemas.microsoft.com/office/drawing/2014/main" id="{822E319B-28FF-72E3-D54C-FCD9ECF8542E}"/>
+              </a:ext>
+            </a:extLst>
+          </p:cNvPr>
+          <p:cNvSpPr/>
+          <p:nvPr/>
+        </p:nvSpPr>
+        <p:spPr>
+          <a:xfrm>
+            <a:off x="5403379" y="393540"/>
+            <a:ext cx="6638395" cy="5708654"/>
+          </a:xfrm>
+          <a:prstGeom prst="rect">
+            <a:avLst/>
+          </a:prstGeom>
+        </p:spPr>
+        <p:style>
+          <a:lnRef idx="2">
+            <a:schemeClr val="accent1"/>
+          </a:lnRef>
+          <a:fillRef idx="1">
+            <a:schemeClr val="lt1"/>
+          </a:fillRef>
+          <a:effectRef idx="0">
+            <a:schemeClr val="accent1"/>
+          </a:effectRef>
+          <a:fontRef idx="minor">
+            <a:schemeClr val="dk1"/>
+          </a:fontRef>
+        </p:style>
+        <p:txBody>
+          <a:bodyPr rtlCol="0" anchor="ctr"/>
+          <a:lstStyle/>
+          <a:p>
+            <a:r>
+              <a:rPr lang="en-GB" dirty="0"/>
+              <a:t>CREATE TABLE E5 (</a:t>
+            </a:r>
+          </a:p>
+          <a:p>
+            <a:r>
+              <a:rPr lang="en-GB" dirty="0"/>
+              <a:t>	E5ID INT PRIMARY KEY</a:t>
+            </a:r>
+          </a:p>
+          <a:p>
+            <a:r>
+              <a:rPr lang="en-GB" dirty="0"/>
+              <a:t>);</a:t>
+            </a:r>
+          </a:p>
+          <a:p>
+            <a:endParaRPr lang="en-GB" dirty="0"/>
+          </a:p>
+          <a:p>
+            <a:r>
+              <a:rPr lang="en-GB" dirty="0"/>
+              <a:t>CREATE TABLE E4 ( </a:t>
+            </a:r>
+          </a:p>
+          <a:p>
+            <a:r>
+              <a:rPr lang="en-GB" dirty="0"/>
+              <a:t>	E4ID INT PRIMARY KEY,</a:t>
+            </a:r>
+          </a:p>
+          <a:p>
+            <a:r>
+              <a:rPr lang="en-GB" dirty="0"/>
+              <a:t>);</a:t>
+            </a:r>
+          </a:p>
+          <a:p>
+            <a:endParaRPr lang="en-GB" dirty="0"/>
+          </a:p>
+          <a:p>
+            <a:r>
+              <a:rPr lang="en-GB" dirty="0"/>
+              <a:t>(Normally, the relationship R3 could also be implemented as a NULL-able E5ID attribute in E4. In this case, however, the R2 relationship calls for a separate table)</a:t>
+            </a:r>
+          </a:p>
+          <a:p>
+            <a:endParaRPr lang="en-GB" dirty="0"/>
+          </a:p>
+          <a:p>
+            <a:r>
+              <a:rPr lang="en-GB" dirty="0"/>
+              <a:t>CREATE TABLE R3 (</a:t>
+            </a:r>
+          </a:p>
+          <a:p>
+            <a:r>
+              <a:rPr lang="en-GB" b="1" dirty="0"/>
+              <a:t>	E4ID INT PRIMARY KEY REFERENCES E4(E4ID),</a:t>
+            </a:r>
+          </a:p>
+          <a:p>
+            <a:r>
+              <a:rPr lang="en-GB" b="1" dirty="0"/>
+              <a:t>	E5ID INT NOT NULL REFERENCES E5(E5ID)</a:t>
+            </a:r>
+          </a:p>
+          <a:p>
+            <a:r>
+              <a:rPr lang="en-GB" dirty="0"/>
+              <a:t>);</a:t>
+            </a:r>
+          </a:p>
+          <a:p>
+            <a:endParaRPr lang="en-GB" dirty="0"/>
+          </a:p>
+          <a:p>
+            <a:r>
+              <a:rPr lang="en-GB" dirty="0"/>
+              <a:t>CREATE TABLE R2 ( </a:t>
+            </a:r>
+          </a:p>
+          <a:p>
+            <a:r>
+              <a:rPr lang="en-GB" dirty="0"/>
+              <a:t>	…	</a:t>
+            </a:r>
+          </a:p>
+          <a:p>
+            <a:r>
+              <a:rPr lang="en-GB" dirty="0"/>
+              <a:t>);</a:t>
+            </a:r>
+          </a:p>
+        </p:txBody>
+      </p:sp>
+      <p:cxnSp>
+        <p:nvCxnSpPr>
+          <p:cNvPr id="37" name="Straight Connector 36">
+            <a:extLst>
+              <a:ext uri="{FF2B5EF4-FFF2-40B4-BE49-F238E27FC236}">
+                <a16:creationId xmlns:a16="http://schemas.microsoft.com/office/drawing/2014/main" id="{473E89AC-E311-F26D-1EEF-0C6FD65D06C0}"/>
+              </a:ext>
+            </a:extLst>
+          </p:cNvPr>
+          <p:cNvCxnSpPr>
+            <a:cxnSpLocks/>
+            <a:stCxn id="40" idx="4"/>
+            <a:endCxn id="5" idx="0"/>
+          </p:cNvCxnSpPr>
+          <p:nvPr/>
+        </p:nvCxnSpPr>
+        <p:spPr>
+          <a:xfrm>
+            <a:off x="993583" y="1993833"/>
+            <a:ext cx="0" cy="148562"/>
+          </a:xfrm>
+          <a:prstGeom prst="line">
+            <a:avLst/>
+          </a:prstGeom>
+          <a:effectLst/>
+        </p:spPr>
+        <p:style>
+          <a:lnRef idx="2">
+            <a:schemeClr val="dk1"/>
+          </a:lnRef>
+          <a:fillRef idx="0">
+            <a:schemeClr val="dk1"/>
+          </a:fillRef>
+          <a:effectRef idx="1">
+            <a:schemeClr val="dk1"/>
+          </a:effectRef>
+          <a:fontRef idx="minor">
+            <a:schemeClr val="tx1"/>
+          </a:fontRef>
+        </p:style>
+      </p:cxnSp>
+      <p:sp>
+        <p:nvSpPr>
+          <p:cNvPr id="40" name="Oval 39">
+            <a:extLst>
+              <a:ext uri="{FF2B5EF4-FFF2-40B4-BE49-F238E27FC236}">
+                <a16:creationId xmlns:a16="http://schemas.microsoft.com/office/drawing/2014/main" id="{96DC5513-C6DC-8D1D-0E8D-E86FF58F7939}"/>
+              </a:ext>
+            </a:extLst>
+          </p:cNvPr>
+          <p:cNvSpPr/>
+          <p:nvPr/>
+        </p:nvSpPr>
+        <p:spPr>
+          <a:xfrm>
+            <a:off x="625078" y="1755086"/>
+            <a:ext cx="737010" cy="238747"/>
+          </a:xfrm>
+          <a:prstGeom prst="ellipse">
+            <a:avLst/>
+          </a:prstGeom>
+          <a:effectLst/>
+        </p:spPr>
+        <p:style>
+          <a:lnRef idx="2">
+            <a:schemeClr val="dk1"/>
+          </a:lnRef>
+          <a:fillRef idx="1">
+            <a:schemeClr val="lt1"/>
+          </a:fillRef>
+          <a:effectRef idx="0">
+            <a:schemeClr val="dk1"/>
+          </a:effectRef>
+          <a:fontRef idx="minor">
+            <a:schemeClr val="dk1"/>
+          </a:fontRef>
+        </p:style>
+        <p:txBody>
+          <a:bodyPr wrap="none" rtlCol="0" anchor="ctr"/>
+          <a:lstStyle/>
+          <a:p>
+            <a:pPr algn="ctr"/>
+            <a:r>
+              <a:rPr lang="is-IS" sz="900" u="sng" dirty="0"/>
+              <a:t>E5ID</a:t>
+            </a:r>
+          </a:p>
+        </p:txBody>
+      </p:sp>
+      <p:cxnSp>
+        <p:nvCxnSpPr>
+          <p:cNvPr id="43" name="Straight Connector 42">
+            <a:extLst>
+              <a:ext uri="{FF2B5EF4-FFF2-40B4-BE49-F238E27FC236}">
+                <a16:creationId xmlns:a16="http://schemas.microsoft.com/office/drawing/2014/main" id="{DE2C7D30-765E-6962-2BC1-1C36E767CA55}"/>
+              </a:ext>
+            </a:extLst>
+          </p:cNvPr>
+          <p:cNvCxnSpPr>
+            <a:cxnSpLocks/>
+            <a:stCxn id="44" idx="4"/>
+            <a:endCxn id="11" idx="0"/>
+          </p:cNvCxnSpPr>
+          <p:nvPr/>
+        </p:nvCxnSpPr>
+        <p:spPr>
+          <a:xfrm>
+            <a:off x="4535010" y="1993832"/>
+            <a:ext cx="0" cy="148564"/>
+          </a:xfrm>
+          <a:prstGeom prst="line">
+            <a:avLst/>
+          </a:prstGeom>
+          <a:effectLst/>
+        </p:spPr>
+        <p:style>
+          <a:lnRef idx="2">
+            <a:schemeClr val="dk1"/>
+          </a:lnRef>
+          <a:fillRef idx="0">
+            <a:schemeClr val="dk1"/>
+          </a:fillRef>
+          <a:effectRef idx="1">
+            <a:schemeClr val="dk1"/>
+          </a:effectRef>
+          <a:fontRef idx="minor">
+            <a:schemeClr val="tx1"/>
+          </a:fontRef>
+        </p:style>
+      </p:cxnSp>
+      <p:sp>
+        <p:nvSpPr>
+          <p:cNvPr id="44" name="Oval 43">
+            <a:extLst>
+              <a:ext uri="{FF2B5EF4-FFF2-40B4-BE49-F238E27FC236}">
+                <a16:creationId xmlns:a16="http://schemas.microsoft.com/office/drawing/2014/main" id="{527E563F-6AED-1849-DAF9-3B06749D9CC2}"/>
+              </a:ext>
+            </a:extLst>
+          </p:cNvPr>
+          <p:cNvSpPr/>
+          <p:nvPr/>
+        </p:nvSpPr>
+        <p:spPr>
+          <a:xfrm>
+            <a:off x="4166505" y="1755085"/>
+            <a:ext cx="737010" cy="238747"/>
+          </a:xfrm>
+          <a:prstGeom prst="ellipse">
+            <a:avLst/>
+          </a:prstGeom>
+          <a:effectLst/>
+        </p:spPr>
+        <p:style>
+          <a:lnRef idx="2">
+            <a:schemeClr val="dk1"/>
+          </a:lnRef>
+          <a:fillRef idx="1">
+            <a:schemeClr val="lt1"/>
+          </a:fillRef>
+          <a:effectRef idx="0">
+            <a:schemeClr val="dk1"/>
+          </a:effectRef>
+          <a:fontRef idx="minor">
+            <a:schemeClr val="dk1"/>
+          </a:fontRef>
+        </p:style>
+        <p:txBody>
+          <a:bodyPr wrap="none" rtlCol="0" anchor="ctr"/>
+          <a:lstStyle/>
+          <a:p>
+            <a:pPr algn="ctr"/>
+            <a:r>
+              <a:rPr lang="is-IS" sz="900" u="sng" dirty="0"/>
+              <a:t>E4ID</a:t>
+            </a:r>
+          </a:p>
+        </p:txBody>
+      </p:sp>
+    </p:spTree>
+    <p:extLst>
+      <p:ext uri="{BB962C8B-B14F-4D97-AF65-F5344CB8AC3E}">
+        <p14:creationId xmlns:p14="http://schemas.microsoft.com/office/powerpoint/2010/main" val="1108634788"/>
+      </p:ext>
+    </p:extLst>
+  </p:cSld>
+  <p:clrMapOvr>
+    <a:masterClrMapping/>
+  </p:clrMapOvr>
+</p:sld>
+</file>
+
+<file path=ppt/slides/slide23.xml><?xml version="1.0" encoding="utf-8"?>
+<p:sld xmlns:a="http://schemas.openxmlformats.org/drawingml/2006/main" xmlns:r="http://schemas.openxmlformats.org/officeDocument/2006/relationships" xmlns:p="http://schemas.openxmlformats.org/presentationml/2006/main">
+  <p:cSld>
+    <p:spTree>
+      <p:nvGrpSpPr>
+        <p:cNvPr id="1" name=""/>
+        <p:cNvGrpSpPr/>
+        <p:nvPr/>
+      </p:nvGrpSpPr>
+      <p:grpSpPr>
+        <a:xfrm>
+          <a:off x="0" y="0"/>
+          <a:ext cx="0" cy="0"/>
+          <a:chOff x="0" y="0"/>
+          <a:chExt cx="0" cy="0"/>
+        </a:xfrm>
+      </p:grpSpPr>
+      <p:sp>
+        <p:nvSpPr>
+          <p:cNvPr id="3" name="Content Placeholder 2">
+            <a:extLst>
+              <a:ext uri="{FF2B5EF4-FFF2-40B4-BE49-F238E27FC236}">
+                <a16:creationId xmlns:a16="http://schemas.microsoft.com/office/drawing/2014/main" id="{A72CFCD4-39C6-4D41-E713-395481381EDE}"/>
+              </a:ext>
+            </a:extLst>
+          </p:cNvPr>
+          <p:cNvSpPr>
+            <a:spLocks noGrp="1"/>
+          </p:cNvSpPr>
+          <p:nvPr>
+            <p:ph idx="1"/>
+          </p:nvPr>
+        </p:nvSpPr>
+        <p:spPr/>
+        <p:txBody>
+          <a:bodyPr/>
+          <a:lstStyle/>
+          <a:p>
+            <a:endParaRPr lang="en-DK"/>
+          </a:p>
+        </p:txBody>
+      </p:sp>
+    </p:spTree>
+    <p:extLst>
+      <p:ext uri="{BB962C8B-B14F-4D97-AF65-F5344CB8AC3E}">
+        <p14:creationId xmlns:p14="http://schemas.microsoft.com/office/powerpoint/2010/main" val="3627835963"/>
       </p:ext>
     </p:extLst>
   </p:cSld>

--- a/er_diagram/er_diagram_template.pptx
+++ b/er_diagram/er_diagram_template.pptx
@@ -27,7 +27,6 @@
     <p:sldId id="276" r:id="rId21"/>
     <p:sldId id="277" r:id="rId22"/>
     <p:sldId id="279" r:id="rId23"/>
-    <p:sldId id="278" r:id="rId24"/>
   </p:sldIdLst>
   <p:sldSz cx="12192000" cy="6858000"/>
   <p:notesSz cx="6858000" cy="9144000"/>
@@ -16218,61 +16217,6 @@
 </p:sld>
 </file>
 
-<file path=ppt/slides/slide23.xml><?xml version="1.0" encoding="utf-8"?>
-<p:sld xmlns:a="http://schemas.openxmlformats.org/drawingml/2006/main" xmlns:r="http://schemas.openxmlformats.org/officeDocument/2006/relationships" xmlns:p="http://schemas.openxmlformats.org/presentationml/2006/main">
-  <p:cSld>
-    <p:spTree>
-      <p:nvGrpSpPr>
-        <p:cNvPr id="1" name=""/>
-        <p:cNvGrpSpPr/>
-        <p:nvPr/>
-      </p:nvGrpSpPr>
-      <p:grpSpPr>
-        <a:xfrm>
-          <a:off x="0" y="0"/>
-          <a:ext cx="0" cy="0"/>
-          <a:chOff x="0" y="0"/>
-          <a:chExt cx="0" cy="0"/>
-        </a:xfrm>
-      </p:grpSpPr>
-      <p:sp>
-        <p:nvSpPr>
-          <p:cNvPr id="3" name="Content Placeholder 2">
-            <a:extLst>
-              <a:ext uri="{FF2B5EF4-FFF2-40B4-BE49-F238E27FC236}">
-                <a16:creationId xmlns:a16="http://schemas.microsoft.com/office/drawing/2014/main" id="{A72CFCD4-39C6-4D41-E713-395481381EDE}"/>
-              </a:ext>
-            </a:extLst>
-          </p:cNvPr>
-          <p:cNvSpPr>
-            <a:spLocks noGrp="1"/>
-          </p:cNvSpPr>
-          <p:nvPr>
-            <p:ph idx="1"/>
-          </p:nvPr>
-        </p:nvSpPr>
-        <p:spPr/>
-        <p:txBody>
-          <a:bodyPr/>
-          <a:lstStyle/>
-          <a:p>
-            <a:endParaRPr lang="en-DK"/>
-          </a:p>
-        </p:txBody>
-      </p:sp>
-    </p:spTree>
-    <p:extLst>
-      <p:ext uri="{BB962C8B-B14F-4D97-AF65-F5344CB8AC3E}">
-        <p14:creationId xmlns:p14="http://schemas.microsoft.com/office/powerpoint/2010/main" val="3627835963"/>
-      </p:ext>
-    </p:extLst>
-  </p:cSld>
-  <p:clrMapOvr>
-    <a:masterClrMapping/>
-  </p:clrMapOvr>
-</p:sld>
-</file>
-
 <file path=ppt/slides/slide3.xml><?xml version="1.0" encoding="utf-8"?>
 <p:sld xmlns:a="http://schemas.openxmlformats.org/drawingml/2006/main" xmlns:r="http://schemas.openxmlformats.org/officeDocument/2006/relationships" xmlns:p="http://schemas.openxmlformats.org/presentationml/2006/main">
   <p:cSld>

--- a/er_diagram/er_diagram_template.pptx
+++ b/er_diagram/er_diagram_template.pptx
@@ -4,6 +4,9 @@
   <p:sldMasterIdLst>
     <p:sldMasterId id="2147483648" r:id="rId1"/>
   </p:sldMasterIdLst>
+  <p:notesMasterIdLst>
+    <p:notesMasterId r:id="rId24"/>
+  </p:notesMasterIdLst>
   <p:sldIdLst>
     <p:sldId id="256" r:id="rId2"/>
     <p:sldId id="257" r:id="rId3"/>
@@ -133,6 +136,530 @@
 </p:presentation>
 </file>
 
+<file path=ppt/notesMasters/notesMaster1.xml><?xml version="1.0" encoding="utf-8"?>
+<p:notesMaster xmlns:a="http://schemas.openxmlformats.org/drawingml/2006/main" xmlns:r="http://schemas.openxmlformats.org/officeDocument/2006/relationships" xmlns:p="http://schemas.openxmlformats.org/presentationml/2006/main">
+  <p:cSld>
+    <p:bg>
+      <p:bgRef idx="1001">
+        <a:schemeClr val="bg1"/>
+      </p:bgRef>
+    </p:bg>
+    <p:spTree>
+      <p:nvGrpSpPr>
+        <p:cNvPr id="1" name=""/>
+        <p:cNvGrpSpPr/>
+        <p:nvPr/>
+      </p:nvGrpSpPr>
+      <p:grpSpPr>
+        <a:xfrm>
+          <a:off x="0" y="0"/>
+          <a:ext cx="0" cy="0"/>
+          <a:chOff x="0" y="0"/>
+          <a:chExt cx="0" cy="0"/>
+        </a:xfrm>
+      </p:grpSpPr>
+      <p:sp>
+        <p:nvSpPr>
+          <p:cNvPr id="2" name="Header Placeholder 1"/>
+          <p:cNvSpPr>
+            <a:spLocks noGrp="1"/>
+          </p:cNvSpPr>
+          <p:nvPr>
+            <p:ph type="hdr" sz="quarter"/>
+          </p:nvPr>
+        </p:nvSpPr>
+        <p:spPr>
+          <a:xfrm>
+            <a:off x="0" y="0"/>
+            <a:ext cx="2971800" cy="458788"/>
+          </a:xfrm>
+          <a:prstGeom prst="rect">
+            <a:avLst/>
+          </a:prstGeom>
+        </p:spPr>
+        <p:txBody>
+          <a:bodyPr vert="horz" lIns="91440" tIns="45720" rIns="91440" bIns="45720" rtlCol="0"/>
+          <a:lstStyle>
+            <a:lvl1pPr algn="l">
+              <a:defRPr sz="1200"/>
+            </a:lvl1pPr>
+          </a:lstStyle>
+          <a:p>
+            <a:endParaRPr lang="en-DK"/>
+          </a:p>
+        </p:txBody>
+      </p:sp>
+      <p:sp>
+        <p:nvSpPr>
+          <p:cNvPr id="3" name="Date Placeholder 2"/>
+          <p:cNvSpPr>
+            <a:spLocks noGrp="1"/>
+          </p:cNvSpPr>
+          <p:nvPr>
+            <p:ph type="dt" idx="1"/>
+          </p:nvPr>
+        </p:nvSpPr>
+        <p:spPr>
+          <a:xfrm>
+            <a:off x="3884613" y="0"/>
+            <a:ext cx="2971800" cy="458788"/>
+          </a:xfrm>
+          <a:prstGeom prst="rect">
+            <a:avLst/>
+          </a:prstGeom>
+        </p:spPr>
+        <p:txBody>
+          <a:bodyPr vert="horz" lIns="91440" tIns="45720" rIns="91440" bIns="45720" rtlCol="0"/>
+          <a:lstStyle>
+            <a:lvl1pPr algn="r">
+              <a:defRPr sz="1200"/>
+            </a:lvl1pPr>
+          </a:lstStyle>
+          <a:p>
+            <a:fld id="{4EC0EF95-C83A-F047-83C4-BCEA22C65901}" type="datetimeFigureOut">
+              <a:rPr lang="en-DK" smtClean="0"/>
+              <a:t>15/05/2023</a:t>
+            </a:fld>
+            <a:endParaRPr lang="en-DK"/>
+          </a:p>
+        </p:txBody>
+      </p:sp>
+      <p:sp>
+        <p:nvSpPr>
+          <p:cNvPr id="4" name="Slide Image Placeholder 3"/>
+          <p:cNvSpPr>
+            <a:spLocks noGrp="1" noRot="1" noChangeAspect="1"/>
+          </p:cNvSpPr>
+          <p:nvPr>
+            <p:ph type="sldImg" idx="2"/>
+          </p:nvPr>
+        </p:nvSpPr>
+        <p:spPr>
+          <a:xfrm>
+            <a:off x="685800" y="1143000"/>
+            <a:ext cx="5486400" cy="3086100"/>
+          </a:xfrm>
+          <a:prstGeom prst="rect">
+            <a:avLst/>
+          </a:prstGeom>
+          <a:noFill/>
+          <a:ln w="12700">
+            <a:solidFill>
+              <a:prstClr val="black"/>
+            </a:solidFill>
+          </a:ln>
+        </p:spPr>
+        <p:txBody>
+          <a:bodyPr vert="horz" lIns="91440" tIns="45720" rIns="91440" bIns="45720" rtlCol="0" anchor="ctr"/>
+          <a:lstStyle/>
+          <a:p>
+            <a:endParaRPr lang="en-DK"/>
+          </a:p>
+        </p:txBody>
+      </p:sp>
+      <p:sp>
+        <p:nvSpPr>
+          <p:cNvPr id="5" name="Notes Placeholder 4"/>
+          <p:cNvSpPr>
+            <a:spLocks noGrp="1"/>
+          </p:cNvSpPr>
+          <p:nvPr>
+            <p:ph type="body" sz="quarter" idx="3"/>
+          </p:nvPr>
+        </p:nvSpPr>
+        <p:spPr>
+          <a:xfrm>
+            <a:off x="685800" y="4400550"/>
+            <a:ext cx="5486400" cy="3600450"/>
+          </a:xfrm>
+          <a:prstGeom prst="rect">
+            <a:avLst/>
+          </a:prstGeom>
+        </p:spPr>
+        <p:txBody>
+          <a:bodyPr vert="horz" lIns="91440" tIns="45720" rIns="91440" bIns="45720" rtlCol="0"/>
+          <a:lstStyle/>
+          <a:p>
+            <a:pPr lvl="0"/>
+            <a:r>
+              <a:rPr lang="en-GB"/>
+              <a:t>Click to edit Master text styles</a:t>
+            </a:r>
+          </a:p>
+          <a:p>
+            <a:pPr lvl="1"/>
+            <a:r>
+              <a:rPr lang="en-GB"/>
+              <a:t>Second level</a:t>
+            </a:r>
+          </a:p>
+          <a:p>
+            <a:pPr lvl="2"/>
+            <a:r>
+              <a:rPr lang="en-GB"/>
+              <a:t>Third level</a:t>
+            </a:r>
+          </a:p>
+          <a:p>
+            <a:pPr lvl="3"/>
+            <a:r>
+              <a:rPr lang="en-GB"/>
+              <a:t>Fourth level</a:t>
+            </a:r>
+          </a:p>
+          <a:p>
+            <a:pPr lvl="4"/>
+            <a:r>
+              <a:rPr lang="en-GB"/>
+              <a:t>Fifth level</a:t>
+            </a:r>
+            <a:endParaRPr lang="en-DK"/>
+          </a:p>
+        </p:txBody>
+      </p:sp>
+      <p:sp>
+        <p:nvSpPr>
+          <p:cNvPr id="6" name="Footer Placeholder 5"/>
+          <p:cNvSpPr>
+            <a:spLocks noGrp="1"/>
+          </p:cNvSpPr>
+          <p:nvPr>
+            <p:ph type="ftr" sz="quarter" idx="4"/>
+          </p:nvPr>
+        </p:nvSpPr>
+        <p:spPr>
+          <a:xfrm>
+            <a:off x="0" y="8685213"/>
+            <a:ext cx="2971800" cy="458787"/>
+          </a:xfrm>
+          <a:prstGeom prst="rect">
+            <a:avLst/>
+          </a:prstGeom>
+        </p:spPr>
+        <p:txBody>
+          <a:bodyPr vert="horz" lIns="91440" tIns="45720" rIns="91440" bIns="45720" rtlCol="0" anchor="b"/>
+          <a:lstStyle>
+            <a:lvl1pPr algn="l">
+              <a:defRPr sz="1200"/>
+            </a:lvl1pPr>
+          </a:lstStyle>
+          <a:p>
+            <a:endParaRPr lang="en-DK"/>
+          </a:p>
+        </p:txBody>
+      </p:sp>
+      <p:sp>
+        <p:nvSpPr>
+          <p:cNvPr id="7" name="Slide Number Placeholder 6"/>
+          <p:cNvSpPr>
+            <a:spLocks noGrp="1"/>
+          </p:cNvSpPr>
+          <p:nvPr>
+            <p:ph type="sldNum" sz="quarter" idx="5"/>
+          </p:nvPr>
+        </p:nvSpPr>
+        <p:spPr>
+          <a:xfrm>
+            <a:off x="3884613" y="8685213"/>
+            <a:ext cx="2971800" cy="458787"/>
+          </a:xfrm>
+          <a:prstGeom prst="rect">
+            <a:avLst/>
+          </a:prstGeom>
+        </p:spPr>
+        <p:txBody>
+          <a:bodyPr vert="horz" lIns="91440" tIns="45720" rIns="91440" bIns="45720" rtlCol="0" anchor="b"/>
+          <a:lstStyle>
+            <a:lvl1pPr algn="r">
+              <a:defRPr sz="1200"/>
+            </a:lvl1pPr>
+          </a:lstStyle>
+          <a:p>
+            <a:fld id="{E39A4E32-4C76-E047-94CA-A3E855E29A61}" type="slidenum">
+              <a:rPr lang="en-DK" smtClean="0"/>
+              <a:t>‹#›</a:t>
+            </a:fld>
+            <a:endParaRPr lang="en-DK"/>
+          </a:p>
+        </p:txBody>
+      </p:sp>
+    </p:spTree>
+    <p:extLst>
+      <p:ext uri="{BB962C8B-B14F-4D97-AF65-F5344CB8AC3E}">
+        <p14:creationId xmlns:p14="http://schemas.microsoft.com/office/powerpoint/2010/main" val="4243584596"/>
+      </p:ext>
+    </p:extLst>
+  </p:cSld>
+  <p:clrMap bg1="lt1" tx1="dk1" bg2="lt2" tx2="dk2" accent1="accent1" accent2="accent2" accent3="accent3" accent4="accent4" accent5="accent5" accent6="accent6" hlink="hlink" folHlink="folHlink"/>
+  <p:notesStyle>
+    <a:lvl1pPr marL="0" algn="l" defTabSz="914400" rtl="0" eaLnBrk="1" latinLnBrk="0" hangingPunct="1">
+      <a:defRPr sz="1200" kern="1200">
+        <a:solidFill>
+          <a:schemeClr val="tx1"/>
+        </a:solidFill>
+        <a:latin typeface="+mn-lt"/>
+        <a:ea typeface="+mn-ea"/>
+        <a:cs typeface="+mn-cs"/>
+      </a:defRPr>
+    </a:lvl1pPr>
+    <a:lvl2pPr marL="457200" algn="l" defTabSz="914400" rtl="0" eaLnBrk="1" latinLnBrk="0" hangingPunct="1">
+      <a:defRPr sz="1200" kern="1200">
+        <a:solidFill>
+          <a:schemeClr val="tx1"/>
+        </a:solidFill>
+        <a:latin typeface="+mn-lt"/>
+        <a:ea typeface="+mn-ea"/>
+        <a:cs typeface="+mn-cs"/>
+      </a:defRPr>
+    </a:lvl2pPr>
+    <a:lvl3pPr marL="914400" algn="l" defTabSz="914400" rtl="0" eaLnBrk="1" latinLnBrk="0" hangingPunct="1">
+      <a:defRPr sz="1200" kern="1200">
+        <a:solidFill>
+          <a:schemeClr val="tx1"/>
+        </a:solidFill>
+        <a:latin typeface="+mn-lt"/>
+        <a:ea typeface="+mn-ea"/>
+        <a:cs typeface="+mn-cs"/>
+      </a:defRPr>
+    </a:lvl3pPr>
+    <a:lvl4pPr marL="1371600" algn="l" defTabSz="914400" rtl="0" eaLnBrk="1" latinLnBrk="0" hangingPunct="1">
+      <a:defRPr sz="1200" kern="1200">
+        <a:solidFill>
+          <a:schemeClr val="tx1"/>
+        </a:solidFill>
+        <a:latin typeface="+mn-lt"/>
+        <a:ea typeface="+mn-ea"/>
+        <a:cs typeface="+mn-cs"/>
+      </a:defRPr>
+    </a:lvl4pPr>
+    <a:lvl5pPr marL="1828800" algn="l" defTabSz="914400" rtl="0" eaLnBrk="1" latinLnBrk="0" hangingPunct="1">
+      <a:defRPr sz="1200" kern="1200">
+        <a:solidFill>
+          <a:schemeClr val="tx1"/>
+        </a:solidFill>
+        <a:latin typeface="+mn-lt"/>
+        <a:ea typeface="+mn-ea"/>
+        <a:cs typeface="+mn-cs"/>
+      </a:defRPr>
+    </a:lvl5pPr>
+    <a:lvl6pPr marL="2286000" algn="l" defTabSz="914400" rtl="0" eaLnBrk="1" latinLnBrk="0" hangingPunct="1">
+      <a:defRPr sz="1200" kern="1200">
+        <a:solidFill>
+          <a:schemeClr val="tx1"/>
+        </a:solidFill>
+        <a:latin typeface="+mn-lt"/>
+        <a:ea typeface="+mn-ea"/>
+        <a:cs typeface="+mn-cs"/>
+      </a:defRPr>
+    </a:lvl6pPr>
+    <a:lvl7pPr marL="2743200" algn="l" defTabSz="914400" rtl="0" eaLnBrk="1" latinLnBrk="0" hangingPunct="1">
+      <a:defRPr sz="1200" kern="1200">
+        <a:solidFill>
+          <a:schemeClr val="tx1"/>
+        </a:solidFill>
+        <a:latin typeface="+mn-lt"/>
+        <a:ea typeface="+mn-ea"/>
+        <a:cs typeface="+mn-cs"/>
+      </a:defRPr>
+    </a:lvl7pPr>
+    <a:lvl8pPr marL="3200400" algn="l" defTabSz="914400" rtl="0" eaLnBrk="1" latinLnBrk="0" hangingPunct="1">
+      <a:defRPr sz="1200" kern="1200">
+        <a:solidFill>
+          <a:schemeClr val="tx1"/>
+        </a:solidFill>
+        <a:latin typeface="+mn-lt"/>
+        <a:ea typeface="+mn-ea"/>
+        <a:cs typeface="+mn-cs"/>
+      </a:defRPr>
+    </a:lvl8pPr>
+    <a:lvl9pPr marL="3657600" algn="l" defTabSz="914400" rtl="0" eaLnBrk="1" latinLnBrk="0" hangingPunct="1">
+      <a:defRPr sz="1200" kern="1200">
+        <a:solidFill>
+          <a:schemeClr val="tx1"/>
+        </a:solidFill>
+        <a:latin typeface="+mn-lt"/>
+        <a:ea typeface="+mn-ea"/>
+        <a:cs typeface="+mn-cs"/>
+      </a:defRPr>
+    </a:lvl9pPr>
+  </p:notesStyle>
+</p:notesMaster>
+</file>
+
+<file path=ppt/notesSlides/notesSlide1.xml><?xml version="1.0" encoding="utf-8"?>
+<p:notes xmlns:a="http://schemas.openxmlformats.org/drawingml/2006/main" xmlns:r="http://schemas.openxmlformats.org/officeDocument/2006/relationships" xmlns:p="http://schemas.openxmlformats.org/presentationml/2006/main">
+  <p:cSld>
+    <p:spTree>
+      <p:nvGrpSpPr>
+        <p:cNvPr id="1" name=""/>
+        <p:cNvGrpSpPr/>
+        <p:nvPr/>
+      </p:nvGrpSpPr>
+      <p:grpSpPr>
+        <a:xfrm>
+          <a:off x="0" y="0"/>
+          <a:ext cx="0" cy="0"/>
+          <a:chOff x="0" y="0"/>
+          <a:chExt cx="0" cy="0"/>
+        </a:xfrm>
+      </p:grpSpPr>
+      <p:sp>
+        <p:nvSpPr>
+          <p:cNvPr id="2" name="Slide Image Placeholder 1"/>
+          <p:cNvSpPr>
+            <a:spLocks noGrp="1" noRot="1" noChangeAspect="1"/>
+          </p:cNvSpPr>
+          <p:nvPr>
+            <p:ph type="sldImg"/>
+          </p:nvPr>
+        </p:nvSpPr>
+        <p:spPr/>
+      </p:sp>
+      <p:sp>
+        <p:nvSpPr>
+          <p:cNvPr id="3" name="Notes Placeholder 2"/>
+          <p:cNvSpPr>
+            <a:spLocks noGrp="1"/>
+          </p:cNvSpPr>
+          <p:nvPr>
+            <p:ph type="body" idx="1"/>
+          </p:nvPr>
+        </p:nvSpPr>
+        <p:spPr/>
+        <p:txBody>
+          <a:bodyPr/>
+          <a:lstStyle/>
+          <a:p>
+            <a:r>
+              <a:rPr lang="en-DK" dirty="0"/>
+              <a:t>You cannot ”just” be an employee.</a:t>
+            </a:r>
+          </a:p>
+        </p:txBody>
+      </p:sp>
+      <p:sp>
+        <p:nvSpPr>
+          <p:cNvPr id="4" name="Slide Number Placeholder 3"/>
+          <p:cNvSpPr>
+            <a:spLocks noGrp="1"/>
+          </p:cNvSpPr>
+          <p:nvPr>
+            <p:ph type="sldNum" sz="quarter" idx="5"/>
+          </p:nvPr>
+        </p:nvSpPr>
+        <p:spPr/>
+        <p:txBody>
+          <a:bodyPr/>
+          <a:lstStyle/>
+          <a:p>
+            <a:fld id="{E39A4E32-4C76-E047-94CA-A3E855E29A61}" type="slidenum">
+              <a:rPr lang="en-DK" smtClean="0"/>
+              <a:t>15</a:t>
+            </a:fld>
+            <a:endParaRPr lang="en-DK"/>
+          </a:p>
+        </p:txBody>
+      </p:sp>
+    </p:spTree>
+    <p:extLst>
+      <p:ext uri="{BB962C8B-B14F-4D97-AF65-F5344CB8AC3E}">
+        <p14:creationId xmlns:p14="http://schemas.microsoft.com/office/powerpoint/2010/main" val="3959936050"/>
+      </p:ext>
+    </p:extLst>
+  </p:cSld>
+  <p:clrMapOvr>
+    <a:masterClrMapping/>
+  </p:clrMapOvr>
+</p:notes>
+</file>
+
+<file path=ppt/notesSlides/notesSlide2.xml><?xml version="1.0" encoding="utf-8"?>
+<p:notes xmlns:a="http://schemas.openxmlformats.org/drawingml/2006/main" xmlns:r="http://schemas.openxmlformats.org/officeDocument/2006/relationships" xmlns:p="http://schemas.openxmlformats.org/presentationml/2006/main">
+  <p:cSld>
+    <p:spTree>
+      <p:nvGrpSpPr>
+        <p:cNvPr id="1" name=""/>
+        <p:cNvGrpSpPr/>
+        <p:nvPr/>
+      </p:nvGrpSpPr>
+      <p:grpSpPr>
+        <a:xfrm>
+          <a:off x="0" y="0"/>
+          <a:ext cx="0" cy="0"/>
+          <a:chOff x="0" y="0"/>
+          <a:chExt cx="0" cy="0"/>
+        </a:xfrm>
+      </p:grpSpPr>
+      <p:sp>
+        <p:nvSpPr>
+          <p:cNvPr id="2" name="Slide Image Placeholder 1"/>
+          <p:cNvSpPr>
+            <a:spLocks noGrp="1" noRot="1" noChangeAspect="1"/>
+          </p:cNvSpPr>
+          <p:nvPr>
+            <p:ph type="sldImg"/>
+          </p:nvPr>
+        </p:nvSpPr>
+        <p:spPr/>
+      </p:sp>
+      <p:sp>
+        <p:nvSpPr>
+          <p:cNvPr id="3" name="Notes Placeholder 2"/>
+          <p:cNvSpPr>
+            <a:spLocks noGrp="1"/>
+          </p:cNvSpPr>
+          <p:nvPr>
+            <p:ph type="body" idx="1"/>
+          </p:nvPr>
+        </p:nvSpPr>
+        <p:spPr/>
+        <p:txBody>
+          <a:bodyPr/>
+          <a:lstStyle/>
+          <a:p>
+            <a:r>
+              <a:rPr lang="en-DK" dirty="0"/>
+              <a:t>You can be ”just” a vehicle.</a:t>
+            </a:r>
+          </a:p>
+        </p:txBody>
+      </p:sp>
+      <p:sp>
+        <p:nvSpPr>
+          <p:cNvPr id="4" name="Slide Number Placeholder 3"/>
+          <p:cNvSpPr>
+            <a:spLocks noGrp="1"/>
+          </p:cNvSpPr>
+          <p:nvPr>
+            <p:ph type="sldNum" sz="quarter" idx="5"/>
+          </p:nvPr>
+        </p:nvSpPr>
+        <p:spPr/>
+        <p:txBody>
+          <a:bodyPr/>
+          <a:lstStyle/>
+          <a:p>
+            <a:fld id="{E39A4E32-4C76-E047-94CA-A3E855E29A61}" type="slidenum">
+              <a:rPr lang="en-DK" smtClean="0"/>
+              <a:t>16</a:t>
+            </a:fld>
+            <a:endParaRPr lang="en-DK"/>
+          </a:p>
+        </p:txBody>
+      </p:sp>
+    </p:spTree>
+    <p:extLst>
+      <p:ext uri="{BB962C8B-B14F-4D97-AF65-F5344CB8AC3E}">
+        <p14:creationId xmlns:p14="http://schemas.microsoft.com/office/powerpoint/2010/main" val="4219621040"/>
+      </p:ext>
+    </p:extLst>
+  </p:cSld>
+  <p:clrMapOvr>
+    <a:masterClrMapping/>
+  </p:clrMapOvr>
+</p:notes>
+</file>
+
 <file path=ppt/slideLayouts/slideLayout1.xml><?xml version="1.0" encoding="utf-8"?>
 <p:sldLayout xmlns:a="http://schemas.openxmlformats.org/drawingml/2006/main" xmlns:r="http://schemas.openxmlformats.org/officeDocument/2006/relationships" xmlns:p="http://schemas.openxmlformats.org/presentationml/2006/main" type="title" preserve="1">
   <p:cSld name="Title Slide">
@@ -282,7 +809,7 @@
           <a:p>
             <a:fld id="{19988417-0391-4147-9B1C-0D22B4D46753}" type="datetimeFigureOut">
               <a:rPr lang="en-DK" smtClean="0"/>
-              <a:t>14/05/2023</a:t>
+              <a:t>15/05/2023</a:t>
             </a:fld>
             <a:endParaRPr lang="en-DK"/>
           </a:p>
@@ -482,7 +1009,7 @@
           <a:p>
             <a:fld id="{19988417-0391-4147-9B1C-0D22B4D46753}" type="datetimeFigureOut">
               <a:rPr lang="en-DK" smtClean="0"/>
-              <a:t>14/05/2023</a:t>
+              <a:t>15/05/2023</a:t>
             </a:fld>
             <a:endParaRPr lang="en-DK"/>
           </a:p>
@@ -692,7 +1219,7 @@
           <a:p>
             <a:fld id="{19988417-0391-4147-9B1C-0D22B4D46753}" type="datetimeFigureOut">
               <a:rPr lang="en-DK" smtClean="0"/>
-              <a:t>14/05/2023</a:t>
+              <a:t>15/05/2023</a:t>
             </a:fld>
             <a:endParaRPr lang="en-DK"/>
           </a:p>
@@ -892,7 +1419,7 @@
           <a:p>
             <a:fld id="{19988417-0391-4147-9B1C-0D22B4D46753}" type="datetimeFigureOut">
               <a:rPr lang="en-DK" smtClean="0"/>
-              <a:t>14/05/2023</a:t>
+              <a:t>15/05/2023</a:t>
             </a:fld>
             <a:endParaRPr lang="en-DK"/>
           </a:p>
@@ -1168,7 +1695,7 @@
           <a:p>
             <a:fld id="{19988417-0391-4147-9B1C-0D22B4D46753}" type="datetimeFigureOut">
               <a:rPr lang="en-DK" smtClean="0"/>
-              <a:t>14/05/2023</a:t>
+              <a:t>15/05/2023</a:t>
             </a:fld>
             <a:endParaRPr lang="en-DK"/>
           </a:p>
@@ -1436,7 +1963,7 @@
           <a:p>
             <a:fld id="{19988417-0391-4147-9B1C-0D22B4D46753}" type="datetimeFigureOut">
               <a:rPr lang="en-DK" smtClean="0"/>
-              <a:t>14/05/2023</a:t>
+              <a:t>15/05/2023</a:t>
             </a:fld>
             <a:endParaRPr lang="en-DK"/>
           </a:p>
@@ -1851,7 +2378,7 @@
           <a:p>
             <a:fld id="{19988417-0391-4147-9B1C-0D22B4D46753}" type="datetimeFigureOut">
               <a:rPr lang="en-DK" smtClean="0"/>
-              <a:t>14/05/2023</a:t>
+              <a:t>15/05/2023</a:t>
             </a:fld>
             <a:endParaRPr lang="en-DK"/>
           </a:p>
@@ -1993,7 +2520,7 @@
           <a:p>
             <a:fld id="{19988417-0391-4147-9B1C-0D22B4D46753}" type="datetimeFigureOut">
               <a:rPr lang="en-DK" smtClean="0"/>
-              <a:t>14/05/2023</a:t>
+              <a:t>15/05/2023</a:t>
             </a:fld>
             <a:endParaRPr lang="en-DK"/>
           </a:p>
@@ -2106,7 +2633,7 @@
           <a:p>
             <a:fld id="{19988417-0391-4147-9B1C-0D22B4D46753}" type="datetimeFigureOut">
               <a:rPr lang="en-DK" smtClean="0"/>
-              <a:t>14/05/2023</a:t>
+              <a:t>15/05/2023</a:t>
             </a:fld>
             <a:endParaRPr lang="en-DK"/>
           </a:p>
@@ -2419,7 +2946,7 @@
           <a:p>
             <a:fld id="{19988417-0391-4147-9B1C-0D22B4D46753}" type="datetimeFigureOut">
               <a:rPr lang="en-DK" smtClean="0"/>
-              <a:t>14/05/2023</a:t>
+              <a:t>15/05/2023</a:t>
             </a:fld>
             <a:endParaRPr lang="en-DK"/>
           </a:p>
@@ -2708,7 +3235,7 @@
           <a:p>
             <a:fld id="{19988417-0391-4147-9B1C-0D22B4D46753}" type="datetimeFigureOut">
               <a:rPr lang="en-DK" smtClean="0"/>
-              <a:t>14/05/2023</a:t>
+              <a:t>15/05/2023</a:t>
             </a:fld>
             <a:endParaRPr lang="en-DK"/>
           </a:p>
@@ -2951,7 +3478,7 @@
           <a:p>
             <a:fld id="{19988417-0391-4147-9B1C-0D22B4D46753}" type="datetimeFigureOut">
               <a:rPr lang="en-DK" smtClean="0"/>
-              <a:t>14/05/2023</a:t>
+              <a:t>15/05/2023</a:t>
             </a:fld>
             <a:endParaRPr lang="en-DK"/>
           </a:p>
@@ -12017,7 +12544,7 @@
             <a:pPr algn="ctr"/>
             <a:r>
               <a:rPr lang="is-IS" sz="1200" dirty="0"/>
-              <a:t>Opponent</a:t>
+              <a:t>AccountHolder</a:t>
             </a:r>
           </a:p>
         </p:txBody>
@@ -14017,7 +14544,7 @@
             </a:r>
             <a:r>
               <a:rPr lang="en-GB" dirty="0"/>
-              <a:t>REFERENCES 	</a:t>
+              <a:t>REFERENCES </a:t>
             </a:r>
             <a:r>
               <a:rPr lang="en-GB" dirty="0" err="1"/>
@@ -14090,7 +14617,7 @@
             </a:r>
             <a:r>
               <a:rPr lang="en-GB" dirty="0"/>
-              <a:t>REFERENCES 	</a:t>
+              <a:t>REFERENCES </a:t>
             </a:r>
             <a:r>
               <a:rPr lang="en-GB" dirty="0" err="1"/>
@@ -21051,4 +21578,299 @@
     </a:ext>
   </a:extLst>
 </a:theme>
+</file>
+
+<file path=ppt/theme/theme2.xml><?xml version="1.0" encoding="utf-8"?>
+<a:theme xmlns:a="http://schemas.openxmlformats.org/drawingml/2006/main" name="Office Theme">
+  <a:themeElements>
+    <a:clrScheme name="Office">
+      <a:dk1>
+        <a:sysClr val="windowText" lastClr="000000"/>
+      </a:dk1>
+      <a:lt1>
+        <a:sysClr val="window" lastClr="FFFFFF"/>
+      </a:lt1>
+      <a:dk2>
+        <a:srgbClr val="44546A"/>
+      </a:dk2>
+      <a:lt2>
+        <a:srgbClr val="E7E6E6"/>
+      </a:lt2>
+      <a:accent1>
+        <a:srgbClr val="4472C4"/>
+      </a:accent1>
+      <a:accent2>
+        <a:srgbClr val="ED7D31"/>
+      </a:accent2>
+      <a:accent3>
+        <a:srgbClr val="A5A5A5"/>
+      </a:accent3>
+      <a:accent4>
+        <a:srgbClr val="FFC000"/>
+      </a:accent4>
+      <a:accent5>
+        <a:srgbClr val="5B9BD5"/>
+      </a:accent5>
+      <a:accent6>
+        <a:srgbClr val="70AD47"/>
+      </a:accent6>
+      <a:hlink>
+        <a:srgbClr val="0563C1"/>
+      </a:hlink>
+      <a:folHlink>
+        <a:srgbClr val="954F72"/>
+      </a:folHlink>
+    </a:clrScheme>
+    <a:fontScheme name="Office">
+      <a:majorFont>
+        <a:latin typeface="Calibri Light" panose="020F0302020204030204"/>
+        <a:ea typeface=""/>
+        <a:cs typeface=""/>
+        <a:font script="Jpan" typeface="游ゴシック Light"/>
+        <a:font script="Hang" typeface="맑은 고딕"/>
+        <a:font script="Hans" typeface="等线 Light"/>
+        <a:font script="Hant" typeface="新細明體"/>
+        <a:font script="Arab" typeface="Times New Roman"/>
+        <a:font script="Hebr" typeface="Times New Roman"/>
+        <a:font script="Thai" typeface="Angsana New"/>
+        <a:font script="Ethi" typeface="Nyala"/>
+        <a:font script="Beng" typeface="Vrinda"/>
+        <a:font script="Gujr" typeface="Shruti"/>
+        <a:font script="Khmr" typeface="MoolBoran"/>
+        <a:font script="Knda" typeface="Tunga"/>
+        <a:font script="Guru" typeface="Raavi"/>
+        <a:font script="Cans" typeface="Euphemia"/>
+        <a:font script="Cher" typeface="Plantagenet Cherokee"/>
+        <a:font script="Yiii" typeface="Microsoft Yi Baiti"/>
+        <a:font script="Tibt" typeface="Microsoft Himalaya"/>
+        <a:font script="Thaa" typeface="MV Boli"/>
+        <a:font script="Deva" typeface="Mangal"/>
+        <a:font script="Telu" typeface="Gautami"/>
+        <a:font script="Taml" typeface="Latha"/>
+        <a:font script="Syrc" typeface="Estrangelo Edessa"/>
+        <a:font script="Orya" typeface="Kalinga"/>
+        <a:font script="Mlym" typeface="Kartika"/>
+        <a:font script="Laoo" typeface="DokChampa"/>
+        <a:font script="Sinh" typeface="Iskoola Pota"/>
+        <a:font script="Mong" typeface="Mongolian Baiti"/>
+        <a:font script="Viet" typeface="Times New Roman"/>
+        <a:font script="Uigh" typeface="Microsoft Uighur"/>
+        <a:font script="Geor" typeface="Sylfaen"/>
+        <a:font script="Armn" typeface="Arial"/>
+        <a:font script="Bugi" typeface="Leelawadee UI"/>
+        <a:font script="Bopo" typeface="Microsoft JhengHei"/>
+        <a:font script="Java" typeface="Javanese Text"/>
+        <a:font script="Lisu" typeface="Segoe UI"/>
+        <a:font script="Mymr" typeface="Myanmar Text"/>
+        <a:font script="Nkoo" typeface="Ebrima"/>
+        <a:font script="Olck" typeface="Nirmala UI"/>
+        <a:font script="Osma" typeface="Ebrima"/>
+        <a:font script="Phag" typeface="Phagspa"/>
+        <a:font script="Syrn" typeface="Estrangelo Edessa"/>
+        <a:font script="Syrj" typeface="Estrangelo Edessa"/>
+        <a:font script="Syre" typeface="Estrangelo Edessa"/>
+        <a:font script="Sora" typeface="Nirmala UI"/>
+        <a:font script="Tale" typeface="Microsoft Tai Le"/>
+        <a:font script="Talu" typeface="Microsoft New Tai Lue"/>
+        <a:font script="Tfng" typeface="Ebrima"/>
+      </a:majorFont>
+      <a:minorFont>
+        <a:latin typeface="Calibri" panose="020F0502020204030204"/>
+        <a:ea typeface=""/>
+        <a:cs typeface=""/>
+        <a:font script="Jpan" typeface="游ゴシック"/>
+        <a:font script="Hang" typeface="맑은 고딕"/>
+        <a:font script="Hans" typeface="等线"/>
+        <a:font script="Hant" typeface="新細明體"/>
+        <a:font script="Arab" typeface="Arial"/>
+        <a:font script="Hebr" typeface="Arial"/>
+        <a:font script="Thai" typeface="Cordia New"/>
+        <a:font script="Ethi" typeface="Nyala"/>
+        <a:font script="Beng" typeface="Vrinda"/>
+        <a:font script="Gujr" typeface="Shruti"/>
+        <a:font script="Khmr" typeface="DaunPenh"/>
+        <a:font script="Knda" typeface="Tunga"/>
+        <a:font script="Guru" typeface="Raavi"/>
+        <a:font script="Cans" typeface="Euphemia"/>
+        <a:font script="Cher" typeface="Plantagenet Cherokee"/>
+        <a:font script="Yiii" typeface="Microsoft Yi Baiti"/>
+        <a:font script="Tibt" typeface="Microsoft Himalaya"/>
+        <a:font script="Thaa" typeface="MV Boli"/>
+        <a:font script="Deva" typeface="Mangal"/>
+        <a:font script="Telu" typeface="Gautami"/>
+        <a:font script="Taml" typeface="Latha"/>
+        <a:font script="Syrc" typeface="Estrangelo Edessa"/>
+        <a:font script="Orya" typeface="Kalinga"/>
+        <a:font script="Mlym" typeface="Kartika"/>
+        <a:font script="Laoo" typeface="DokChampa"/>
+        <a:font script="Sinh" typeface="Iskoola Pota"/>
+        <a:font script="Mong" typeface="Mongolian Baiti"/>
+        <a:font script="Viet" typeface="Arial"/>
+        <a:font script="Uigh" typeface="Microsoft Uighur"/>
+        <a:font script="Geor" typeface="Sylfaen"/>
+        <a:font script="Armn" typeface="Arial"/>
+        <a:font script="Bugi" typeface="Leelawadee UI"/>
+        <a:font script="Bopo" typeface="Microsoft JhengHei"/>
+        <a:font script="Java" typeface="Javanese Text"/>
+        <a:font script="Lisu" typeface="Segoe UI"/>
+        <a:font script="Mymr" typeface="Myanmar Text"/>
+        <a:font script="Nkoo" typeface="Ebrima"/>
+        <a:font script="Olck" typeface="Nirmala UI"/>
+        <a:font script="Osma" typeface="Ebrima"/>
+        <a:font script="Phag" typeface="Phagspa"/>
+        <a:font script="Syrn" typeface="Estrangelo Edessa"/>
+        <a:font script="Syrj" typeface="Estrangelo Edessa"/>
+        <a:font script="Syre" typeface="Estrangelo Edessa"/>
+        <a:font script="Sora" typeface="Nirmala UI"/>
+        <a:font script="Tale" typeface="Microsoft Tai Le"/>
+        <a:font script="Talu" typeface="Microsoft New Tai Lue"/>
+        <a:font script="Tfng" typeface="Ebrima"/>
+      </a:minorFont>
+    </a:fontScheme>
+    <a:fmtScheme name="Office">
+      <a:fillStyleLst>
+        <a:solidFill>
+          <a:schemeClr val="phClr"/>
+        </a:solidFill>
+        <a:gradFill rotWithShape="1">
+          <a:gsLst>
+            <a:gs pos="0">
+              <a:schemeClr val="phClr">
+                <a:lumMod val="110000"/>
+                <a:satMod val="105000"/>
+                <a:tint val="67000"/>
+              </a:schemeClr>
+            </a:gs>
+            <a:gs pos="50000">
+              <a:schemeClr val="phClr">
+                <a:lumMod val="105000"/>
+                <a:satMod val="103000"/>
+                <a:tint val="73000"/>
+              </a:schemeClr>
+            </a:gs>
+            <a:gs pos="100000">
+              <a:schemeClr val="phClr">
+                <a:lumMod val="105000"/>
+                <a:satMod val="109000"/>
+                <a:tint val="81000"/>
+              </a:schemeClr>
+            </a:gs>
+          </a:gsLst>
+          <a:lin ang="5400000" scaled="0"/>
+        </a:gradFill>
+        <a:gradFill rotWithShape="1">
+          <a:gsLst>
+            <a:gs pos="0">
+              <a:schemeClr val="phClr">
+                <a:satMod val="103000"/>
+                <a:lumMod val="102000"/>
+                <a:tint val="94000"/>
+              </a:schemeClr>
+            </a:gs>
+            <a:gs pos="50000">
+              <a:schemeClr val="phClr">
+                <a:satMod val="110000"/>
+                <a:lumMod val="100000"/>
+                <a:shade val="100000"/>
+              </a:schemeClr>
+            </a:gs>
+            <a:gs pos="100000">
+              <a:schemeClr val="phClr">
+                <a:lumMod val="99000"/>
+                <a:satMod val="120000"/>
+                <a:shade val="78000"/>
+              </a:schemeClr>
+            </a:gs>
+          </a:gsLst>
+          <a:lin ang="5400000" scaled="0"/>
+        </a:gradFill>
+      </a:fillStyleLst>
+      <a:lnStyleLst>
+        <a:ln w="6350" cap="flat" cmpd="sng" algn="ctr">
+          <a:solidFill>
+            <a:schemeClr val="phClr"/>
+          </a:solidFill>
+          <a:prstDash val="solid"/>
+          <a:miter lim="800000"/>
+        </a:ln>
+        <a:ln w="12700" cap="flat" cmpd="sng" algn="ctr">
+          <a:solidFill>
+            <a:schemeClr val="phClr"/>
+          </a:solidFill>
+          <a:prstDash val="solid"/>
+          <a:miter lim="800000"/>
+        </a:ln>
+        <a:ln w="19050" cap="flat" cmpd="sng" algn="ctr">
+          <a:solidFill>
+            <a:schemeClr val="phClr"/>
+          </a:solidFill>
+          <a:prstDash val="solid"/>
+          <a:miter lim="800000"/>
+        </a:ln>
+      </a:lnStyleLst>
+      <a:effectStyleLst>
+        <a:effectStyle>
+          <a:effectLst/>
+        </a:effectStyle>
+        <a:effectStyle>
+          <a:effectLst/>
+        </a:effectStyle>
+        <a:effectStyle>
+          <a:effectLst>
+            <a:outerShdw blurRad="57150" dist="19050" dir="5400000" algn="ctr" rotWithShape="0">
+              <a:srgbClr val="000000">
+                <a:alpha val="63000"/>
+              </a:srgbClr>
+            </a:outerShdw>
+          </a:effectLst>
+        </a:effectStyle>
+      </a:effectStyleLst>
+      <a:bgFillStyleLst>
+        <a:solidFill>
+          <a:schemeClr val="phClr"/>
+        </a:solidFill>
+        <a:solidFill>
+          <a:schemeClr val="phClr">
+            <a:tint val="95000"/>
+            <a:satMod val="170000"/>
+          </a:schemeClr>
+        </a:solidFill>
+        <a:gradFill rotWithShape="1">
+          <a:gsLst>
+            <a:gs pos="0">
+              <a:schemeClr val="phClr">
+                <a:tint val="93000"/>
+                <a:satMod val="150000"/>
+                <a:shade val="98000"/>
+                <a:lumMod val="102000"/>
+              </a:schemeClr>
+            </a:gs>
+            <a:gs pos="50000">
+              <a:schemeClr val="phClr">
+                <a:tint val="98000"/>
+                <a:satMod val="130000"/>
+                <a:shade val="90000"/>
+                <a:lumMod val="103000"/>
+              </a:schemeClr>
+            </a:gs>
+            <a:gs pos="100000">
+              <a:schemeClr val="phClr">
+                <a:shade val="63000"/>
+                <a:satMod val="120000"/>
+              </a:schemeClr>
+            </a:gs>
+          </a:gsLst>
+          <a:lin ang="5400000" scaled="0"/>
+        </a:gradFill>
+      </a:bgFillStyleLst>
+    </a:fmtScheme>
+  </a:themeElements>
+  <a:objectDefaults/>
+  <a:extraClrSchemeLst/>
+  <a:extLst>
+    <a:ext uri="{05A4C25C-085E-4340-85A3-A5531E510DB2}">
+      <thm15:themeFamily xmlns:thm15="http://schemas.microsoft.com/office/thememl/2012/main" name="Office Theme" id="{62F939B6-93AF-4DB8-9C6B-D6C7DFDC589F}" vid="{4A3C46E8-61CC-4603-A589-7422A47A8E4A}"/>
+    </a:ext>
+  </a:extLst>
+</a:theme>
 </file>
--- a/er_diagram/er_diagram_template.pptx
+++ b/er_diagram/er_diagram_template.pptx
@@ -282,7 +282,7 @@
           <a:p>
             <a:fld id="{19988417-0391-4147-9B1C-0D22B4D46753}" type="datetimeFigureOut">
               <a:rPr lang="en-DK" smtClean="0"/>
-              <a:t>14/05/2023</a:t>
+              <a:t>05/15/2023</a:t>
             </a:fld>
             <a:endParaRPr lang="en-DK"/>
           </a:p>
@@ -336,7 +336,7 @@
           <a:p>
             <a:fld id="{7091FC18-23BD-1647-AA9E-89F5D2593A12}" type="slidenum">
               <a:rPr lang="en-DK" smtClean="0"/>
-              <a:t>‹#›</a:t>
+              <a:t>‹nr.›</a:t>
             </a:fld>
             <a:endParaRPr lang="en-DK"/>
           </a:p>
@@ -482,7 +482,7 @@
           <a:p>
             <a:fld id="{19988417-0391-4147-9B1C-0D22B4D46753}" type="datetimeFigureOut">
               <a:rPr lang="en-DK" smtClean="0"/>
-              <a:t>14/05/2023</a:t>
+              <a:t>05/15/2023</a:t>
             </a:fld>
             <a:endParaRPr lang="en-DK"/>
           </a:p>
@@ -536,7 +536,7 @@
           <a:p>
             <a:fld id="{7091FC18-23BD-1647-AA9E-89F5D2593A12}" type="slidenum">
               <a:rPr lang="en-DK" smtClean="0"/>
-              <a:t>‹#›</a:t>
+              <a:t>‹nr.›</a:t>
             </a:fld>
             <a:endParaRPr lang="en-DK"/>
           </a:p>
@@ -692,7 +692,7 @@
           <a:p>
             <a:fld id="{19988417-0391-4147-9B1C-0D22B4D46753}" type="datetimeFigureOut">
               <a:rPr lang="en-DK" smtClean="0"/>
-              <a:t>14/05/2023</a:t>
+              <a:t>05/15/2023</a:t>
             </a:fld>
             <a:endParaRPr lang="en-DK"/>
           </a:p>
@@ -746,7 +746,7 @@
           <a:p>
             <a:fld id="{7091FC18-23BD-1647-AA9E-89F5D2593A12}" type="slidenum">
               <a:rPr lang="en-DK" smtClean="0"/>
-              <a:t>‹#›</a:t>
+              <a:t>‹nr.›</a:t>
             </a:fld>
             <a:endParaRPr lang="en-DK"/>
           </a:p>
@@ -892,7 +892,7 @@
           <a:p>
             <a:fld id="{19988417-0391-4147-9B1C-0D22B4D46753}" type="datetimeFigureOut">
               <a:rPr lang="en-DK" smtClean="0"/>
-              <a:t>14/05/2023</a:t>
+              <a:t>05/15/2023</a:t>
             </a:fld>
             <a:endParaRPr lang="en-DK"/>
           </a:p>
@@ -946,7 +946,7 @@
           <a:p>
             <a:fld id="{7091FC18-23BD-1647-AA9E-89F5D2593A12}" type="slidenum">
               <a:rPr lang="en-DK" smtClean="0"/>
-              <a:t>‹#›</a:t>
+              <a:t>‹nr.›</a:t>
             </a:fld>
             <a:endParaRPr lang="en-DK"/>
           </a:p>
@@ -1168,7 +1168,7 @@
           <a:p>
             <a:fld id="{19988417-0391-4147-9B1C-0D22B4D46753}" type="datetimeFigureOut">
               <a:rPr lang="en-DK" smtClean="0"/>
-              <a:t>14/05/2023</a:t>
+              <a:t>05/15/2023</a:t>
             </a:fld>
             <a:endParaRPr lang="en-DK"/>
           </a:p>
@@ -1222,7 +1222,7 @@
           <a:p>
             <a:fld id="{7091FC18-23BD-1647-AA9E-89F5D2593A12}" type="slidenum">
               <a:rPr lang="en-DK" smtClean="0"/>
-              <a:t>‹#›</a:t>
+              <a:t>‹nr.›</a:t>
             </a:fld>
             <a:endParaRPr lang="en-DK"/>
           </a:p>
@@ -1436,7 +1436,7 @@
           <a:p>
             <a:fld id="{19988417-0391-4147-9B1C-0D22B4D46753}" type="datetimeFigureOut">
               <a:rPr lang="en-DK" smtClean="0"/>
-              <a:t>14/05/2023</a:t>
+              <a:t>05/15/2023</a:t>
             </a:fld>
             <a:endParaRPr lang="en-DK"/>
           </a:p>
@@ -1490,7 +1490,7 @@
           <a:p>
             <a:fld id="{7091FC18-23BD-1647-AA9E-89F5D2593A12}" type="slidenum">
               <a:rPr lang="en-DK" smtClean="0"/>
-              <a:t>‹#›</a:t>
+              <a:t>‹nr.›</a:t>
             </a:fld>
             <a:endParaRPr lang="en-DK"/>
           </a:p>
@@ -1851,7 +1851,7 @@
           <a:p>
             <a:fld id="{19988417-0391-4147-9B1C-0D22B4D46753}" type="datetimeFigureOut">
               <a:rPr lang="en-DK" smtClean="0"/>
-              <a:t>14/05/2023</a:t>
+              <a:t>05/15/2023</a:t>
             </a:fld>
             <a:endParaRPr lang="en-DK"/>
           </a:p>
@@ -1905,7 +1905,7 @@
           <a:p>
             <a:fld id="{7091FC18-23BD-1647-AA9E-89F5D2593A12}" type="slidenum">
               <a:rPr lang="en-DK" smtClean="0"/>
-              <a:t>‹#›</a:t>
+              <a:t>‹nr.›</a:t>
             </a:fld>
             <a:endParaRPr lang="en-DK"/>
           </a:p>
@@ -1993,7 +1993,7 @@
           <a:p>
             <a:fld id="{19988417-0391-4147-9B1C-0D22B4D46753}" type="datetimeFigureOut">
               <a:rPr lang="en-DK" smtClean="0"/>
-              <a:t>14/05/2023</a:t>
+              <a:t>05/15/2023</a:t>
             </a:fld>
             <a:endParaRPr lang="en-DK"/>
           </a:p>
@@ -2047,7 +2047,7 @@
           <a:p>
             <a:fld id="{7091FC18-23BD-1647-AA9E-89F5D2593A12}" type="slidenum">
               <a:rPr lang="en-DK" smtClean="0"/>
-              <a:t>‹#›</a:t>
+              <a:t>‹nr.›</a:t>
             </a:fld>
             <a:endParaRPr lang="en-DK"/>
           </a:p>
@@ -2106,7 +2106,7 @@
           <a:p>
             <a:fld id="{19988417-0391-4147-9B1C-0D22B4D46753}" type="datetimeFigureOut">
               <a:rPr lang="en-DK" smtClean="0"/>
-              <a:t>14/05/2023</a:t>
+              <a:t>05/15/2023</a:t>
             </a:fld>
             <a:endParaRPr lang="en-DK"/>
           </a:p>
@@ -2160,7 +2160,7 @@
           <a:p>
             <a:fld id="{7091FC18-23BD-1647-AA9E-89F5D2593A12}" type="slidenum">
               <a:rPr lang="en-DK" smtClean="0"/>
-              <a:t>‹#›</a:t>
+              <a:t>‹nr.›</a:t>
             </a:fld>
             <a:endParaRPr lang="en-DK"/>
           </a:p>
@@ -2419,7 +2419,7 @@
           <a:p>
             <a:fld id="{19988417-0391-4147-9B1C-0D22B4D46753}" type="datetimeFigureOut">
               <a:rPr lang="en-DK" smtClean="0"/>
-              <a:t>14/05/2023</a:t>
+              <a:t>05/15/2023</a:t>
             </a:fld>
             <a:endParaRPr lang="en-DK"/>
           </a:p>
@@ -2473,7 +2473,7 @@
           <a:p>
             <a:fld id="{7091FC18-23BD-1647-AA9E-89F5D2593A12}" type="slidenum">
               <a:rPr lang="en-DK" smtClean="0"/>
-              <a:t>‹#›</a:t>
+              <a:t>‹nr.›</a:t>
             </a:fld>
             <a:endParaRPr lang="en-DK"/>
           </a:p>
@@ -2708,7 +2708,7 @@
           <a:p>
             <a:fld id="{19988417-0391-4147-9B1C-0D22B4D46753}" type="datetimeFigureOut">
               <a:rPr lang="en-DK" smtClean="0"/>
-              <a:t>14/05/2023</a:t>
+              <a:t>05/15/2023</a:t>
             </a:fld>
             <a:endParaRPr lang="en-DK"/>
           </a:p>
@@ -2762,7 +2762,7 @@
           <a:p>
             <a:fld id="{7091FC18-23BD-1647-AA9E-89F5D2593A12}" type="slidenum">
               <a:rPr lang="en-DK" smtClean="0"/>
-              <a:t>‹#›</a:t>
+              <a:t>‹nr.›</a:t>
             </a:fld>
             <a:endParaRPr lang="en-DK"/>
           </a:p>
@@ -2951,7 +2951,7 @@
           <a:p>
             <a:fld id="{19988417-0391-4147-9B1C-0D22B4D46753}" type="datetimeFigureOut">
               <a:rPr lang="en-DK" smtClean="0"/>
-              <a:t>14/05/2023</a:t>
+              <a:t>05/15/2023</a:t>
             </a:fld>
             <a:endParaRPr lang="en-DK"/>
           </a:p>
@@ -3041,7 +3041,7 @@
           <a:p>
             <a:fld id="{7091FC18-23BD-1647-AA9E-89F5D2593A12}" type="slidenum">
               <a:rPr lang="en-DK" smtClean="0"/>
-              <a:t>‹#›</a:t>
+              <a:t>‹nr.›</a:t>
             </a:fld>
             <a:endParaRPr lang="en-DK"/>
           </a:p>
@@ -10367,7 +10367,7 @@
         <p:spPr>
           <a:xfrm>
             <a:off x="3174286" y="2493491"/>
-            <a:ext cx="245580" cy="307777"/>
+            <a:ext cx="279244" cy="307777"/>
           </a:xfrm>
           <a:prstGeom prst="rect">
             <a:avLst/>
@@ -10382,7 +10382,7 @@
           <a:p>
             <a:r>
               <a:rPr lang="en-GB" sz="1400" dirty="0"/>
-              <a:t>t</a:t>
+              <a:t>p</a:t>
             </a:r>
           </a:p>
         </p:txBody>
@@ -11988,8 +11988,8 @@
         </p:nvSpPr>
         <p:spPr>
           <a:xfrm>
-            <a:off x="2870579" y="4160393"/>
-            <a:ext cx="879240" cy="346183"/>
+            <a:off x="2805988" y="4167047"/>
+            <a:ext cx="1000013" cy="346183"/>
           </a:xfrm>
           <a:prstGeom prst="rect">
             <a:avLst/>
@@ -12016,9 +12016,10 @@
           <a:p>
             <a:pPr algn="ctr"/>
             <a:r>
-              <a:rPr lang="is-IS" sz="1200" dirty="0"/>
-              <a:t>Opponent</a:t>
-            </a:r>
+              <a:rPr lang="en-GB" sz="1200" dirty="0" err="1"/>
+              <a:t>AccountHolder</a:t>
+            </a:r>
+            <a:endParaRPr lang="is-IS" sz="1200" dirty="0"/>
           </a:p>
         </p:txBody>
       </p:sp>
@@ -12122,8 +12123,8 @@
         </p:nvCxnSpPr>
         <p:spPr>
           <a:xfrm flipV="1">
-            <a:off x="3310199" y="3558061"/>
-            <a:ext cx="0" cy="602332"/>
+            <a:off x="3305995" y="3558061"/>
+            <a:ext cx="4204" cy="608986"/>
           </a:xfrm>
           <a:prstGeom prst="line">
             <a:avLst/>
@@ -12608,7 +12609,7 @@
             </a:r>
             <a:r>
               <a:rPr lang="en-GB" dirty="0"/>
-              <a:t> (</a:t>
+              <a:t> (xx) (</a:t>
             </a:r>
           </a:p>
           <a:p>

--- a/er_diagram/er_diagram_template.pptx
+++ b/er_diagram/er_diagram_template.pptx
@@ -5671,6 +5671,76 @@
           </a:fontRef>
         </p:style>
       </p:cxnSp>
+      <p:sp>
+        <p:nvSpPr>
+          <p:cNvPr id="3" name="TextBox 21">
+            <a:extLst>
+              <a:ext uri="{FF2B5EF4-FFF2-40B4-BE49-F238E27FC236}">
+                <a16:creationId xmlns:a16="http://schemas.microsoft.com/office/drawing/2014/main" id="{97F2B807-3A2C-9ACE-0983-900C8E9B8CE6}"/>
+              </a:ext>
+            </a:extLst>
+          </p:cNvPr>
+          <p:cNvSpPr txBox="1"/>
+          <p:nvPr/>
+        </p:nvSpPr>
+        <p:spPr>
+          <a:xfrm>
+            <a:off x="3935309" y="3166877"/>
+            <a:ext cx="418704" cy="276999"/>
+          </a:xfrm>
+          <a:prstGeom prst="rect">
+            <a:avLst/>
+          </a:prstGeom>
+          <a:noFill/>
+        </p:spPr>
+        <p:txBody>
+          <a:bodyPr wrap="none" rtlCol="0">
+            <a:spAutoFit/>
+          </a:bodyPr>
+          <a:lstStyle/>
+          <a:p>
+            <a:r>
+              <a:rPr lang="en-GB" sz="1200" dirty="0"/>
+              <a:t>1..1</a:t>
+            </a:r>
+          </a:p>
+        </p:txBody>
+      </p:sp>
+      <p:sp>
+        <p:nvSpPr>
+          <p:cNvPr id="4" name="TextBox 21">
+            <a:extLst>
+              <a:ext uri="{FF2B5EF4-FFF2-40B4-BE49-F238E27FC236}">
+                <a16:creationId xmlns:a16="http://schemas.microsoft.com/office/drawing/2014/main" id="{5853D074-02A2-E8A3-BDE6-A5AAAE4F14FB}"/>
+              </a:ext>
+            </a:extLst>
+          </p:cNvPr>
+          <p:cNvSpPr txBox="1"/>
+          <p:nvPr/>
+        </p:nvSpPr>
+        <p:spPr>
+          <a:xfrm>
+            <a:off x="3134205" y="3144975"/>
+            <a:ext cx="439544" cy="276999"/>
+          </a:xfrm>
+          <a:prstGeom prst="rect">
+            <a:avLst/>
+          </a:prstGeom>
+          <a:noFill/>
+        </p:spPr>
+        <p:txBody>
+          <a:bodyPr wrap="none" rtlCol="0">
+            <a:spAutoFit/>
+          </a:bodyPr>
+          <a:lstStyle/>
+          <a:p>
+            <a:r>
+              <a:rPr lang="en-GB" sz="1200" dirty="0"/>
+              <a:t>0..N</a:t>
+            </a:r>
+          </a:p>
+        </p:txBody>
+      </p:sp>
     </p:spTree>
     <p:extLst>
       <p:ext uri="{BB962C8B-B14F-4D97-AF65-F5344CB8AC3E}">
